--- a/docs/diagrams/LogicComponentClassDiagram.pptx
+++ b/docs/diagrams/LogicComponentClassDiagram.pptx
@@ -5,10 +5,11 @@
     <p:sldMasterId id="2147483648" r:id="rId1"/>
   </p:sldMasterIdLst>
   <p:notesMasterIdLst>
-    <p:notesMasterId r:id="rId3"/>
+    <p:notesMasterId r:id="rId4"/>
   </p:notesMasterIdLst>
   <p:sldIdLst>
     <p:sldId id="262" r:id="rId2"/>
+    <p:sldId id="263" r:id="rId3"/>
   </p:sldIdLst>
   <p:sldSz cx="9144000" cy="6858000" type="screen4x3"/>
   <p:notesSz cx="6858000" cy="9144000"/>
@@ -208,7 +209,7 @@
           <a:p>
             <a:fld id="{F5CC4B3F-88C1-4FFA-B1B6-F41C21DC6924}" type="datetimeFigureOut">
               <a:rPr lang="en-US" smtClean="0"/>
-              <a:t>2/2/2017</a:t>
+              <a:t>4/6/17</a:t>
             </a:fld>
             <a:endParaRPr lang="en-US"/>
           </a:p>
@@ -657,7 +658,7 @@
           <a:p>
             <a:fld id="{78C97017-6FC3-485B-9764-EAC9E56C1D49}" type="datetimeFigureOut">
               <a:rPr lang="en-US" smtClean="0"/>
-              <a:t>2/2/2017</a:t>
+              <a:t>4/6/17</a:t>
             </a:fld>
             <a:endParaRPr lang="en-US"/>
           </a:p>
@@ -827,7 +828,7 @@
           <a:p>
             <a:fld id="{78C97017-6FC3-485B-9764-EAC9E56C1D49}" type="datetimeFigureOut">
               <a:rPr lang="en-US" smtClean="0"/>
-              <a:t>2/2/2017</a:t>
+              <a:t>4/6/17</a:t>
             </a:fld>
             <a:endParaRPr lang="en-US"/>
           </a:p>
@@ -1007,7 +1008,7 @@
           <a:p>
             <a:fld id="{78C97017-6FC3-485B-9764-EAC9E56C1D49}" type="datetimeFigureOut">
               <a:rPr lang="en-US" smtClean="0"/>
-              <a:t>2/2/2017</a:t>
+              <a:t>4/6/17</a:t>
             </a:fld>
             <a:endParaRPr lang="en-US"/>
           </a:p>
@@ -1177,7 +1178,7 @@
           <a:p>
             <a:fld id="{78C97017-6FC3-485B-9764-EAC9E56C1D49}" type="datetimeFigureOut">
               <a:rPr lang="en-US" smtClean="0"/>
-              <a:t>2/2/2017</a:t>
+              <a:t>4/6/17</a:t>
             </a:fld>
             <a:endParaRPr lang="en-US"/>
           </a:p>
@@ -1423,7 +1424,7 @@
           <a:p>
             <a:fld id="{78C97017-6FC3-485B-9764-EAC9E56C1D49}" type="datetimeFigureOut">
               <a:rPr lang="en-US" smtClean="0"/>
-              <a:t>2/2/2017</a:t>
+              <a:t>4/6/17</a:t>
             </a:fld>
             <a:endParaRPr lang="en-US"/>
           </a:p>
@@ -1711,7 +1712,7 @@
           <a:p>
             <a:fld id="{78C97017-6FC3-485B-9764-EAC9E56C1D49}" type="datetimeFigureOut">
               <a:rPr lang="en-US" smtClean="0"/>
-              <a:t>2/2/2017</a:t>
+              <a:t>4/6/17</a:t>
             </a:fld>
             <a:endParaRPr lang="en-US"/>
           </a:p>
@@ -2133,7 +2134,7 @@
           <a:p>
             <a:fld id="{78C97017-6FC3-485B-9764-EAC9E56C1D49}" type="datetimeFigureOut">
               <a:rPr lang="en-US" smtClean="0"/>
-              <a:t>2/2/2017</a:t>
+              <a:t>4/6/17</a:t>
             </a:fld>
             <a:endParaRPr lang="en-US"/>
           </a:p>
@@ -2251,7 +2252,7 @@
           <a:p>
             <a:fld id="{78C97017-6FC3-485B-9764-EAC9E56C1D49}" type="datetimeFigureOut">
               <a:rPr lang="en-US" smtClean="0"/>
-              <a:t>2/2/2017</a:t>
+              <a:t>4/6/17</a:t>
             </a:fld>
             <a:endParaRPr lang="en-US"/>
           </a:p>
@@ -2346,7 +2347,7 @@
           <a:p>
             <a:fld id="{78C97017-6FC3-485B-9764-EAC9E56C1D49}" type="datetimeFigureOut">
               <a:rPr lang="en-US" smtClean="0"/>
-              <a:t>2/2/2017</a:t>
+              <a:t>4/6/17</a:t>
             </a:fld>
             <a:endParaRPr lang="en-US"/>
           </a:p>
@@ -2623,7 +2624,7 @@
           <a:p>
             <a:fld id="{78C97017-6FC3-485B-9764-EAC9E56C1D49}" type="datetimeFigureOut">
               <a:rPr lang="en-US" smtClean="0"/>
-              <a:t>2/2/2017</a:t>
+              <a:t>4/6/17</a:t>
             </a:fld>
             <a:endParaRPr lang="en-US"/>
           </a:p>
@@ -2876,7 +2877,7 @@
           <a:p>
             <a:fld id="{78C97017-6FC3-485B-9764-EAC9E56C1D49}" type="datetimeFigureOut">
               <a:rPr lang="en-US" smtClean="0"/>
-              <a:t>2/2/2017</a:t>
+              <a:t>4/6/17</a:t>
             </a:fld>
             <a:endParaRPr lang="en-US"/>
           </a:p>
@@ -3089,7 +3090,7 @@
           <a:p>
             <a:fld id="{78C97017-6FC3-485B-9764-EAC9E56C1D49}" type="datetimeFigureOut">
               <a:rPr lang="en-US" smtClean="0"/>
-              <a:t>2/2/2017</a:t>
+              <a:t>4/6/17</a:t>
             </a:fld>
             <a:endParaRPr lang="en-US"/>
           </a:p>
@@ -3592,8 +3593,8 @@
         </p:nvSpPr>
         <p:spPr>
           <a:xfrm flipH="1">
-            <a:off x="6520227" y="2149167"/>
-            <a:ext cx="1093635" cy="346760"/>
+            <a:off x="6835469" y="2149167"/>
+            <a:ext cx="778392" cy="232318"/>
           </a:xfrm>
           <a:prstGeom prst="rect">
             <a:avLst/>
@@ -3625,14 +3626,14 @@
           <a:p>
             <a:pPr algn="ctr"/>
             <a:r>
-              <a:rPr lang="en-US" sz="1050" b="1" dirty="0" err="1" smtClean="0">
+              <a:rPr lang="en-US" sz="700" b="1" dirty="0" err="1" smtClean="0">
                 <a:solidFill>
                   <a:srgbClr val="0070C0"/>
                 </a:solidFill>
               </a:rPr>
               <a:t>AddCommand</a:t>
             </a:r>
-            <a:endParaRPr lang="en-SG" sz="1050" b="1" dirty="0">
+            <a:endParaRPr lang="en-SG" sz="700" b="1" dirty="0">
               <a:solidFill>
                 <a:srgbClr val="0070C0"/>
               </a:solidFill>
@@ -3854,8 +3855,8 @@
         </p:nvSpPr>
         <p:spPr>
           <a:xfrm flipH="1">
-            <a:off x="6526365" y="2554920"/>
-            <a:ext cx="1093635" cy="346760"/>
+            <a:off x="6835469" y="2481956"/>
+            <a:ext cx="784529" cy="304692"/>
           </a:xfrm>
           <a:prstGeom prst="rect">
             <a:avLst/>
@@ -3887,14 +3888,14 @@
           <a:p>
             <a:pPr algn="ctr"/>
             <a:r>
-              <a:rPr lang="en-US" sz="1050" b="1" dirty="0" err="1" smtClean="0">
+              <a:rPr lang="en-US" sz="700" b="1" dirty="0" err="1" smtClean="0">
                 <a:solidFill>
                   <a:srgbClr val="0070C0"/>
                 </a:solidFill>
               </a:rPr>
               <a:t>FindCommand</a:t>
             </a:r>
-            <a:endParaRPr lang="en-SG" sz="1050" b="1" dirty="0">
+            <a:endParaRPr lang="en-SG" sz="700" b="1" dirty="0">
               <a:solidFill>
                 <a:srgbClr val="0070C0"/>
               </a:solidFill>
@@ -3910,8 +3911,8 @@
         </p:nvSpPr>
         <p:spPr>
           <a:xfrm flipH="1">
-            <a:off x="6526365" y="3396383"/>
-            <a:ext cx="1093635" cy="346760"/>
+            <a:off x="6857311" y="3132220"/>
+            <a:ext cx="762000" cy="210454"/>
           </a:xfrm>
           <a:prstGeom prst="rect">
             <a:avLst/>
@@ -3943,7 +3944,7 @@
           <a:p>
             <a:pPr algn="ctr"/>
             <a:r>
-              <a:rPr lang="en-US" sz="1050" b="1" dirty="0" smtClean="0">
+              <a:rPr lang="en-US" sz="700" b="1" dirty="0" smtClean="0">
                 <a:solidFill>
                   <a:srgbClr val="0070C0"/>
                 </a:solidFill>
@@ -3951,21 +3952,21 @@
               <a:t>Incorrect</a:t>
             </a:r>
             <a:br>
-              <a:rPr lang="en-US" sz="1050" b="1" dirty="0" smtClean="0">
+              <a:rPr lang="en-US" sz="700" b="1" dirty="0" smtClean="0">
                 <a:solidFill>
                   <a:srgbClr val="0070C0"/>
                 </a:solidFill>
               </a:rPr>
             </a:br>
             <a:r>
-              <a:rPr lang="en-US" sz="1050" b="1" dirty="0" smtClean="0">
+              <a:rPr lang="en-US" sz="700" b="1" dirty="0" smtClean="0">
                 <a:solidFill>
                   <a:srgbClr val="0070C0"/>
                 </a:solidFill>
               </a:rPr>
               <a:t>Command</a:t>
             </a:r>
-            <a:endParaRPr lang="en-SG" sz="1050" b="1" dirty="0">
+            <a:endParaRPr lang="en-SG" sz="700" b="1" dirty="0">
               <a:solidFill>
                 <a:srgbClr val="0070C0"/>
               </a:solidFill>
@@ -4758,8 +4759,8 @@
         </p:nvSpPr>
         <p:spPr>
           <a:xfrm flipH="1">
-            <a:off x="6526365" y="2956137"/>
-            <a:ext cx="1093635" cy="346760"/>
+            <a:off x="6859380" y="2861126"/>
+            <a:ext cx="762001" cy="208588"/>
           </a:xfrm>
           <a:prstGeom prst="rect">
             <a:avLst/>
@@ -5755,7 +5756,7 @@
         </p:nvGrpSpPr>
         <p:grpSpPr>
           <a:xfrm rot="5400000">
-            <a:off x="4090826" y="3633626"/>
+            <a:off x="4091746" y="3434996"/>
             <a:ext cx="555486" cy="254462"/>
             <a:chOff x="3798139" y="875689"/>
             <a:chExt cx="555486" cy="230832"/>
@@ -5863,8 +5864,8 @@
         </p:nvCxnSpPr>
         <p:spPr>
           <a:xfrm rot="16200000" flipV="1">
-            <a:off x="7296652" y="3452865"/>
-            <a:ext cx="850958" cy="204262"/>
+            <a:off x="7215295" y="3371507"/>
+            <a:ext cx="1015055" cy="202881"/>
           </a:xfrm>
           <a:prstGeom prst="bentConnector2">
             <a:avLst/>
@@ -5946,16 +5947,13 @@
       <p:cxnSp>
         <p:nvCxnSpPr>
           <p:cNvPr id="90" name="Elbow Connector 89"/>
-          <p:cNvCxnSpPr>
-            <a:stCxn id="87" idx="3"/>
-            <a:endCxn id="11" idx="1"/>
-          </p:cNvCxnSpPr>
+          <p:cNvCxnSpPr/>
           <p:nvPr/>
         </p:nvCxnSpPr>
         <p:spPr>
           <a:xfrm rot="16200000" flipV="1">
-            <a:off x="7516775" y="3672988"/>
-            <a:ext cx="410712" cy="204262"/>
+            <a:off x="7451846" y="3367738"/>
+            <a:ext cx="505794" cy="207633"/>
           </a:xfrm>
           <a:prstGeom prst="bentConnector2">
             <a:avLst/>
@@ -5983,16 +5981,13 @@
       <p:cxnSp>
         <p:nvCxnSpPr>
           <p:cNvPr id="93" name="Elbow Connector 92"/>
-          <p:cNvCxnSpPr>
-            <a:stCxn id="87" idx="3"/>
-            <a:endCxn id="10" idx="1"/>
-          </p:cNvCxnSpPr>
+          <p:cNvCxnSpPr/>
           <p:nvPr/>
         </p:nvCxnSpPr>
         <p:spPr>
           <a:xfrm rot="16200000" flipV="1">
-            <a:off x="7096044" y="3252257"/>
-            <a:ext cx="1252175" cy="204262"/>
+            <a:off x="7056017" y="3222209"/>
+            <a:ext cx="1346173" cy="204264"/>
           </a:xfrm>
           <a:prstGeom prst="bentConnector2">
             <a:avLst/>
@@ -6020,16 +6015,13 @@
       <p:cxnSp>
         <p:nvCxnSpPr>
           <p:cNvPr id="96" name="Elbow Connector 95"/>
-          <p:cNvCxnSpPr>
-            <a:stCxn id="87" idx="3"/>
-            <a:endCxn id="4" idx="1"/>
-          </p:cNvCxnSpPr>
+          <p:cNvCxnSpPr/>
           <p:nvPr/>
         </p:nvCxnSpPr>
         <p:spPr>
           <a:xfrm rot="16200000" flipV="1">
-            <a:off x="6890098" y="3046311"/>
-            <a:ext cx="1657928" cy="210400"/>
+            <a:off x="6869008" y="3017700"/>
+            <a:ext cx="1715149" cy="210401"/>
           </a:xfrm>
           <a:prstGeom prst="bentConnector2">
             <a:avLst/>
@@ -6203,8 +6195,8 @@
         </p:nvCxnSpPr>
         <p:spPr>
           <a:xfrm flipV="1">
-            <a:off x="5758227" y="2728300"/>
-            <a:ext cx="768138" cy="417"/>
+            <a:off x="5758227" y="2634302"/>
+            <a:ext cx="1077242" cy="94415"/>
           </a:xfrm>
           <a:prstGeom prst="bentConnector3">
             <a:avLst>
@@ -6248,9 +6240,9 @@
           <p:nvPr/>
         </p:nvCxnSpPr>
         <p:spPr>
-          <a:xfrm>
-            <a:off x="5758227" y="2322317"/>
-            <a:ext cx="762000" cy="230"/>
+          <a:xfrm flipV="1">
+            <a:off x="5758227" y="2265326"/>
+            <a:ext cx="1077242" cy="56991"/>
           </a:xfrm>
           <a:prstGeom prst="bentConnector3">
             <a:avLst>
@@ -6448,10 +6440,3276 @@
           </a:fontRef>
         </p:style>
       </p:cxnSp>
+      <p:cxnSp>
+        <p:nvCxnSpPr>
+          <p:cNvPr id="77" name="Elbow Connector 63"/>
+          <p:cNvCxnSpPr>
+            <a:endCxn id="81" idx="3"/>
+          </p:cNvCxnSpPr>
+          <p:nvPr/>
+        </p:nvCxnSpPr>
+        <p:spPr>
+          <a:xfrm flipV="1">
+            <a:off x="4155872" y="3562227"/>
+            <a:ext cx="2706011" cy="385386"/>
+          </a:xfrm>
+          <a:prstGeom prst="bentConnector3">
+            <a:avLst>
+              <a:gd name="adj1" fmla="val 50000"/>
+            </a:avLst>
+          </a:prstGeom>
+          <a:ln w="19050">
+            <a:solidFill>
+              <a:schemeClr val="accent5">
+                <a:lumMod val="75000"/>
+              </a:schemeClr>
+            </a:solidFill>
+            <a:prstDash val="sysDot"/>
+            <a:headEnd type="none" w="med" len="med"/>
+            <a:tailEnd type="arrow" w="med" len="med"/>
+          </a:ln>
+          <a:effectLst/>
+        </p:spPr>
+        <p:style>
+          <a:lnRef idx="1">
+            <a:schemeClr val="accent2"/>
+          </a:lnRef>
+          <a:fillRef idx="2">
+            <a:schemeClr val="accent2"/>
+          </a:fillRef>
+          <a:effectRef idx="1">
+            <a:schemeClr val="accent2"/>
+          </a:effectRef>
+          <a:fontRef idx="minor">
+            <a:schemeClr val="dk1"/>
+          </a:fontRef>
+        </p:style>
+      </p:cxnSp>
+      <p:sp>
+        <p:nvSpPr>
+          <p:cNvPr id="81" name="Rectangle 80"/>
+          <p:cNvSpPr/>
+          <p:nvPr/>
+        </p:nvSpPr>
+        <p:spPr>
+          <a:xfrm flipH="1">
+            <a:off x="6861883" y="3457000"/>
+            <a:ext cx="762000" cy="210454"/>
+          </a:xfrm>
+          <a:prstGeom prst="rect">
+            <a:avLst/>
+          </a:prstGeom>
+          <a:ln w="19050">
+            <a:solidFill>
+              <a:srgbClr val="0070C0"/>
+            </a:solidFill>
+          </a:ln>
+          <a:effectLst/>
+        </p:spPr>
+        <p:style>
+          <a:lnRef idx="1">
+            <a:schemeClr val="accent1"/>
+          </a:lnRef>
+          <a:fillRef idx="2">
+            <a:schemeClr val="accent1"/>
+          </a:fillRef>
+          <a:effectRef idx="1">
+            <a:schemeClr val="accent1"/>
+          </a:effectRef>
+          <a:fontRef idx="minor">
+            <a:schemeClr val="dk1"/>
+          </a:fontRef>
+        </p:style>
+        <p:txBody>
+          <a:bodyPr rtlCol="0" anchor="ctr"/>
+          <a:lstStyle/>
+          <a:p>
+            <a:pPr algn="ctr"/>
+            <a:r>
+              <a:rPr lang="en-US" sz="700" b="1" dirty="0" smtClean="0">
+                <a:solidFill>
+                  <a:srgbClr val="0070C0"/>
+                </a:solidFill>
+              </a:rPr>
+              <a:t>Toggle</a:t>
+            </a:r>
+            <a:r>
+              <a:rPr lang="en-US" sz="700" b="1" dirty="0" smtClean="0">
+                <a:solidFill>
+                  <a:srgbClr val="0070C0"/>
+                </a:solidFill>
+              </a:rPr>
+              <a:t/>
+            </a:r>
+            <a:br>
+              <a:rPr lang="en-US" sz="700" b="1" dirty="0" smtClean="0">
+                <a:solidFill>
+                  <a:srgbClr val="0070C0"/>
+                </a:solidFill>
+              </a:rPr>
+            </a:br>
+            <a:r>
+              <a:rPr lang="en-US" sz="700" b="1" dirty="0" smtClean="0">
+                <a:solidFill>
+                  <a:srgbClr val="0070C0"/>
+                </a:solidFill>
+              </a:rPr>
+              <a:t>Command</a:t>
+            </a:r>
+            <a:endParaRPr lang="en-SG" sz="700" b="1" dirty="0">
+              <a:solidFill>
+                <a:srgbClr val="0070C0"/>
+              </a:solidFill>
+            </a:endParaRPr>
+          </a:p>
+        </p:txBody>
+      </p:sp>
+      <p:cxnSp>
+        <p:nvCxnSpPr>
+          <p:cNvPr id="82" name="Elbow Connector 81"/>
+          <p:cNvCxnSpPr/>
+          <p:nvPr/>
+        </p:nvCxnSpPr>
+        <p:spPr>
+          <a:xfrm rot="16200000" flipV="1">
+            <a:off x="7480658" y="3683668"/>
+            <a:ext cx="505794" cy="207633"/>
+          </a:xfrm>
+          <a:prstGeom prst="bentConnector2">
+            <a:avLst/>
+          </a:prstGeom>
+          <a:ln w="19050">
+            <a:headEnd type="none" w="med" len="med"/>
+            <a:tailEnd type="none" w="med" len="med"/>
+          </a:ln>
+        </p:spPr>
+        <p:style>
+          <a:lnRef idx="1">
+            <a:schemeClr val="accent1"/>
+          </a:lnRef>
+          <a:fillRef idx="0">
+            <a:schemeClr val="accent1"/>
+          </a:fillRef>
+          <a:effectRef idx="0">
+            <a:schemeClr val="accent1"/>
+          </a:effectRef>
+          <a:fontRef idx="minor">
+            <a:schemeClr val="tx1"/>
+          </a:fontRef>
+        </p:style>
+      </p:cxnSp>
+      <p:cxnSp>
+        <p:nvCxnSpPr>
+          <p:cNvPr id="85" name="Elbow Connector 63"/>
+          <p:cNvCxnSpPr/>
+          <p:nvPr/>
+        </p:nvCxnSpPr>
+        <p:spPr>
+          <a:xfrm flipV="1">
+            <a:off x="4148899" y="3793942"/>
+            <a:ext cx="2715055" cy="163045"/>
+          </a:xfrm>
+          <a:prstGeom prst="bentConnector3">
+            <a:avLst>
+              <a:gd name="adj1" fmla="val 50000"/>
+            </a:avLst>
+          </a:prstGeom>
+          <a:ln w="19050">
+            <a:solidFill>
+              <a:schemeClr val="accent5">
+                <a:lumMod val="75000"/>
+              </a:schemeClr>
+            </a:solidFill>
+            <a:prstDash val="sysDot"/>
+            <a:headEnd type="none" w="med" len="med"/>
+            <a:tailEnd type="arrow" w="med" len="med"/>
+          </a:ln>
+          <a:effectLst/>
+        </p:spPr>
+        <p:style>
+          <a:lnRef idx="1">
+            <a:schemeClr val="accent2"/>
+          </a:lnRef>
+          <a:fillRef idx="2">
+            <a:schemeClr val="accent2"/>
+          </a:fillRef>
+          <a:effectRef idx="1">
+            <a:schemeClr val="accent2"/>
+          </a:effectRef>
+          <a:fontRef idx="minor">
+            <a:schemeClr val="dk1"/>
+          </a:fontRef>
+        </p:style>
+      </p:cxnSp>
+      <p:sp>
+        <p:nvSpPr>
+          <p:cNvPr id="88" name="Rectangle 87"/>
+          <p:cNvSpPr/>
+          <p:nvPr/>
+        </p:nvSpPr>
+        <p:spPr>
+          <a:xfrm flipH="1">
+            <a:off x="6862158" y="3723518"/>
+            <a:ext cx="762000" cy="210454"/>
+          </a:xfrm>
+          <a:prstGeom prst="rect">
+            <a:avLst/>
+          </a:prstGeom>
+          <a:ln w="19050">
+            <a:solidFill>
+              <a:srgbClr val="0070C0"/>
+            </a:solidFill>
+          </a:ln>
+          <a:effectLst/>
+        </p:spPr>
+        <p:style>
+          <a:lnRef idx="1">
+            <a:schemeClr val="accent1"/>
+          </a:lnRef>
+          <a:fillRef idx="2">
+            <a:schemeClr val="accent1"/>
+          </a:fillRef>
+          <a:effectRef idx="1">
+            <a:schemeClr val="accent1"/>
+          </a:effectRef>
+          <a:fontRef idx="minor">
+            <a:schemeClr val="dk1"/>
+          </a:fontRef>
+        </p:style>
+        <p:txBody>
+          <a:bodyPr rtlCol="0" anchor="ctr"/>
+          <a:lstStyle/>
+          <a:p>
+            <a:pPr algn="ctr"/>
+            <a:r>
+              <a:rPr lang="is-IS" sz="700" b="1" dirty="0" smtClean="0">
+                <a:solidFill>
+                  <a:srgbClr val="0070C0"/>
+                </a:solidFill>
+              </a:rPr>
+              <a:t>…</a:t>
+            </a:r>
+            <a:endParaRPr lang="en-SG" sz="700" b="1" dirty="0">
+              <a:solidFill>
+                <a:srgbClr val="0070C0"/>
+              </a:solidFill>
+            </a:endParaRPr>
+          </a:p>
+        </p:txBody>
+      </p:sp>
+      <p:cxnSp>
+        <p:nvCxnSpPr>
+          <p:cNvPr id="89" name="Elbow Connector 88"/>
+          <p:cNvCxnSpPr/>
+          <p:nvPr/>
+        </p:nvCxnSpPr>
+        <p:spPr>
+          <a:xfrm rot="16200000" flipV="1">
+            <a:off x="7615826" y="3859787"/>
+            <a:ext cx="244274" cy="178190"/>
+          </a:xfrm>
+          <a:prstGeom prst="bentConnector3">
+            <a:avLst>
+              <a:gd name="adj1" fmla="val 104590"/>
+            </a:avLst>
+          </a:prstGeom>
+          <a:ln w="19050">
+            <a:headEnd type="none" w="med" len="med"/>
+            <a:tailEnd type="none" w="med" len="med"/>
+          </a:ln>
+        </p:spPr>
+        <p:style>
+          <a:lnRef idx="1">
+            <a:schemeClr val="accent1"/>
+          </a:lnRef>
+          <a:fillRef idx="0">
+            <a:schemeClr val="accent1"/>
+          </a:fillRef>
+          <a:effectRef idx="0">
+            <a:schemeClr val="accent1"/>
+          </a:effectRef>
+          <a:fontRef idx="minor">
+            <a:schemeClr val="tx1"/>
+          </a:fontRef>
+        </p:style>
+      </p:cxnSp>
     </p:spTree>
     <p:extLst>
       <p:ext uri="{BB962C8B-B14F-4D97-AF65-F5344CB8AC3E}">
         <p14:creationId xmlns:p14="http://schemas.microsoft.com/office/powerpoint/2010/main" val="211586602"/>
+      </p:ext>
+    </p:extLst>
+  </p:cSld>
+  <p:clrMapOvr>
+    <a:masterClrMapping/>
+  </p:clrMapOvr>
+</p:sld>
+</file>
+
+<file path=ppt/slides/slide2.xml><?xml version="1.0" encoding="utf-8"?>
+<p:sld xmlns:a="http://schemas.openxmlformats.org/drawingml/2006/main" xmlns:r="http://schemas.openxmlformats.org/officeDocument/2006/relationships" xmlns:p="http://schemas.openxmlformats.org/presentationml/2006/main">
+  <p:cSld>
+    <p:spTree>
+      <p:nvGrpSpPr>
+        <p:cNvPr id="1" name=""/>
+        <p:cNvGrpSpPr/>
+        <p:nvPr/>
+      </p:nvGrpSpPr>
+      <p:grpSpPr>
+        <a:xfrm>
+          <a:off x="0" y="0"/>
+          <a:ext cx="0" cy="0"/>
+          <a:chOff x="0" y="0"/>
+          <a:chExt cx="0" cy="0"/>
+        </a:xfrm>
+      </p:grpSpPr>
+      <p:sp>
+        <p:nvSpPr>
+          <p:cNvPr id="2" name="Rectangle 65"/>
+          <p:cNvSpPr/>
+          <p:nvPr/>
+        </p:nvSpPr>
+        <p:spPr>
+          <a:xfrm>
+            <a:off x="1149121" y="919748"/>
+            <a:ext cx="7467600" cy="3733800"/>
+          </a:xfrm>
+          <a:prstGeom prst="roundRect">
+            <a:avLst>
+              <a:gd name="adj" fmla="val 3484"/>
+            </a:avLst>
+          </a:prstGeom>
+          <a:solidFill>
+            <a:schemeClr val="accent1">
+              <a:lumMod val="20000"/>
+              <a:lumOff val="80000"/>
+            </a:schemeClr>
+          </a:solidFill>
+          <a:ln w="19050">
+            <a:noFill/>
+          </a:ln>
+          <a:effectLst/>
+        </p:spPr>
+        <p:style>
+          <a:lnRef idx="1">
+            <a:schemeClr val="accent2"/>
+          </a:lnRef>
+          <a:fillRef idx="2">
+            <a:schemeClr val="accent2"/>
+          </a:fillRef>
+          <a:effectRef idx="1">
+            <a:schemeClr val="accent2"/>
+          </a:effectRef>
+          <a:fontRef idx="minor">
+            <a:schemeClr val="dk1"/>
+          </a:fontRef>
+        </p:style>
+        <p:txBody>
+          <a:bodyPr rtlCol="0" anchor="t"/>
+          <a:lstStyle/>
+          <a:p>
+            <a:r>
+              <a:rPr lang="en-US" sz="1200" b="1" dirty="0">
+                <a:solidFill>
+                  <a:srgbClr val="0070C0"/>
+                </a:solidFill>
+              </a:rPr>
+              <a:t>Logic</a:t>
+            </a:r>
+            <a:endParaRPr lang="en-SG" sz="1200" b="1" dirty="0">
+              <a:solidFill>
+                <a:srgbClr val="0070C0"/>
+              </a:solidFill>
+            </a:endParaRPr>
+          </a:p>
+        </p:txBody>
+      </p:sp>
+      <p:sp>
+        <p:nvSpPr>
+          <p:cNvPr id="3" name="Rectangle 8"/>
+          <p:cNvSpPr/>
+          <p:nvPr/>
+        </p:nvSpPr>
+        <p:spPr>
+          <a:xfrm>
+            <a:off x="2095948" y="1253067"/>
+            <a:ext cx="1093635" cy="346760"/>
+          </a:xfrm>
+          <a:prstGeom prst="rect">
+            <a:avLst/>
+          </a:prstGeom>
+          <a:solidFill>
+            <a:srgbClr val="0070C0"/>
+          </a:solidFill>
+          <a:ln w="19050">
+            <a:solidFill>
+              <a:srgbClr val="0070C0"/>
+            </a:solidFill>
+          </a:ln>
+          <a:effectLst/>
+        </p:spPr>
+        <p:style>
+          <a:lnRef idx="1">
+            <a:schemeClr val="accent2"/>
+          </a:lnRef>
+          <a:fillRef idx="2">
+            <a:schemeClr val="accent2"/>
+          </a:fillRef>
+          <a:effectRef idx="1">
+            <a:schemeClr val="accent2"/>
+          </a:effectRef>
+          <a:fontRef idx="minor">
+            <a:schemeClr val="dk1"/>
+          </a:fontRef>
+        </p:style>
+        <p:txBody>
+          <a:bodyPr rtlCol="0" anchor="ctr"/>
+          <a:lstStyle/>
+          <a:p>
+            <a:pPr algn="ctr"/>
+            <a:r>
+              <a:rPr lang="en-US" sz="1050" dirty="0" err="1">
+                <a:solidFill>
+                  <a:schemeClr val="bg1"/>
+                </a:solidFill>
+              </a:rPr>
+              <a:t>CommandResult</a:t>
+            </a:r>
+            <a:endParaRPr lang="en-SG" sz="1050" dirty="0">
+              <a:solidFill>
+                <a:schemeClr val="bg1"/>
+              </a:solidFill>
+            </a:endParaRPr>
+          </a:p>
+        </p:txBody>
+      </p:sp>
+      <p:sp>
+        <p:nvSpPr>
+          <p:cNvPr id="4" name="Rectangle 11"/>
+          <p:cNvSpPr/>
+          <p:nvPr/>
+        </p:nvSpPr>
+        <p:spPr>
+          <a:xfrm flipH="1">
+            <a:off x="5421882" y="2149167"/>
+            <a:ext cx="778392" cy="232318"/>
+          </a:xfrm>
+          <a:prstGeom prst="rect">
+            <a:avLst/>
+          </a:prstGeom>
+          <a:ln w="19050">
+            <a:solidFill>
+              <a:srgbClr val="0070C0"/>
+            </a:solidFill>
+          </a:ln>
+          <a:effectLst/>
+        </p:spPr>
+        <p:style>
+          <a:lnRef idx="1">
+            <a:schemeClr val="accent1"/>
+          </a:lnRef>
+          <a:fillRef idx="2">
+            <a:schemeClr val="accent1"/>
+          </a:fillRef>
+          <a:effectRef idx="1">
+            <a:schemeClr val="accent1"/>
+          </a:effectRef>
+          <a:fontRef idx="minor">
+            <a:schemeClr val="dk1"/>
+          </a:fontRef>
+        </p:style>
+        <p:txBody>
+          <a:bodyPr rtlCol="0" anchor="ctr"/>
+          <a:lstStyle/>
+          <a:p>
+            <a:pPr algn="ctr"/>
+            <a:r>
+              <a:rPr lang="en-US" sz="700" b="1" dirty="0" err="1" smtClean="0">
+                <a:solidFill>
+                  <a:srgbClr val="0070C0"/>
+                </a:solidFill>
+              </a:rPr>
+              <a:t>AddCommand</a:t>
+            </a:r>
+            <a:endParaRPr lang="en-SG" sz="700" b="1" dirty="0">
+              <a:solidFill>
+                <a:srgbClr val="0070C0"/>
+              </a:solidFill>
+            </a:endParaRPr>
+          </a:p>
+        </p:txBody>
+      </p:sp>
+      <p:sp>
+        <p:nvSpPr>
+          <p:cNvPr id="5" name="Rectangle 62"/>
+          <p:cNvSpPr/>
+          <p:nvPr/>
+        </p:nvSpPr>
+        <p:spPr>
+          <a:xfrm>
+            <a:off x="1780785" y="3772963"/>
+            <a:ext cx="1093635" cy="346760"/>
+          </a:xfrm>
+          <a:prstGeom prst="rect">
+            <a:avLst/>
+          </a:prstGeom>
+          <a:solidFill>
+            <a:srgbClr val="0070C0"/>
+          </a:solidFill>
+          <a:ln w="19050">
+            <a:solidFill>
+              <a:srgbClr val="0070C0"/>
+            </a:solidFill>
+          </a:ln>
+          <a:effectLst/>
+        </p:spPr>
+        <p:style>
+          <a:lnRef idx="1">
+            <a:schemeClr val="accent2"/>
+          </a:lnRef>
+          <a:fillRef idx="2">
+            <a:schemeClr val="accent2"/>
+          </a:fillRef>
+          <a:effectRef idx="1">
+            <a:schemeClr val="accent2"/>
+          </a:effectRef>
+          <a:fontRef idx="minor">
+            <a:schemeClr val="dk1"/>
+          </a:fontRef>
+        </p:style>
+        <p:txBody>
+          <a:bodyPr rtlCol="0" anchor="ctr"/>
+          <a:lstStyle/>
+          <a:p>
+            <a:pPr algn="ctr"/>
+            <a:r>
+              <a:rPr lang="en-US" sz="1050" dirty="0" err="1">
+                <a:solidFill>
+                  <a:schemeClr val="bg1"/>
+                </a:solidFill>
+              </a:rPr>
+              <a:t>LogicManager</a:t>
+            </a:r>
+            <a:endParaRPr lang="en-SG" sz="1050" dirty="0">
+              <a:solidFill>
+                <a:schemeClr val="bg1"/>
+              </a:solidFill>
+            </a:endParaRPr>
+          </a:p>
+        </p:txBody>
+      </p:sp>
+      <p:cxnSp>
+        <p:nvCxnSpPr>
+          <p:cNvPr id="6" name="Elbow Connector 63"/>
+          <p:cNvCxnSpPr>
+            <a:stCxn id="12" idx="3"/>
+            <a:endCxn id="3" idx="3"/>
+          </p:cNvCxnSpPr>
+          <p:nvPr/>
+        </p:nvCxnSpPr>
+        <p:spPr>
+          <a:xfrm flipH="1" flipV="1">
+            <a:off x="3189583" y="1426447"/>
+            <a:ext cx="5020699" cy="2895973"/>
+          </a:xfrm>
+          <a:prstGeom prst="bentConnector3">
+            <a:avLst>
+              <a:gd name="adj1" fmla="val -2713"/>
+            </a:avLst>
+          </a:prstGeom>
+          <a:ln w="19050">
+            <a:solidFill>
+              <a:srgbClr val="0070C0"/>
+            </a:solidFill>
+            <a:prstDash val="sysDot"/>
+            <a:headEnd type="none" w="med" len="med"/>
+            <a:tailEnd type="arrow" w="med" len="med"/>
+          </a:ln>
+          <a:effectLst/>
+        </p:spPr>
+        <p:style>
+          <a:lnRef idx="1">
+            <a:schemeClr val="accent2"/>
+          </a:lnRef>
+          <a:fillRef idx="2">
+            <a:schemeClr val="accent2"/>
+          </a:fillRef>
+          <a:effectRef idx="1">
+            <a:schemeClr val="accent2"/>
+          </a:effectRef>
+          <a:fontRef idx="minor">
+            <a:schemeClr val="dk1"/>
+          </a:fontRef>
+        </p:style>
+      </p:cxnSp>
+      <p:cxnSp>
+        <p:nvCxnSpPr>
+          <p:cNvPr id="8" name="Elbow Connector 122"/>
+          <p:cNvCxnSpPr>
+            <a:endCxn id="3" idx="1"/>
+          </p:cNvCxnSpPr>
+          <p:nvPr/>
+        </p:nvCxnSpPr>
+        <p:spPr>
+          <a:xfrm>
+            <a:off x="1676400" y="1423587"/>
+            <a:ext cx="419548" cy="2860"/>
+          </a:xfrm>
+          <a:prstGeom prst="bentConnector3">
+            <a:avLst>
+              <a:gd name="adj1" fmla="val 50000"/>
+            </a:avLst>
+          </a:prstGeom>
+          <a:ln w="19050">
+            <a:solidFill>
+              <a:srgbClr val="0070C0"/>
+            </a:solidFill>
+            <a:prstDash val="sysDot"/>
+            <a:headEnd type="none" w="med" len="med"/>
+            <a:tailEnd type="arrow" w="med" len="med"/>
+          </a:ln>
+          <a:effectLst/>
+        </p:spPr>
+        <p:style>
+          <a:lnRef idx="1">
+            <a:schemeClr val="accent2"/>
+          </a:lnRef>
+          <a:fillRef idx="2">
+            <a:schemeClr val="accent2"/>
+          </a:fillRef>
+          <a:effectRef idx="1">
+            <a:schemeClr val="accent2"/>
+          </a:effectRef>
+          <a:fontRef idx="minor">
+            <a:schemeClr val="dk1"/>
+          </a:fontRef>
+        </p:style>
+      </p:cxnSp>
+      <p:sp>
+        <p:nvSpPr>
+          <p:cNvPr id="9" name="Rectangle 65"/>
+          <p:cNvSpPr/>
+          <p:nvPr/>
+        </p:nvSpPr>
+        <p:spPr>
+          <a:xfrm>
+            <a:off x="1103085" y="4777355"/>
+            <a:ext cx="7431315" cy="328045"/>
+          </a:xfrm>
+          <a:prstGeom prst="roundRect">
+            <a:avLst/>
+          </a:prstGeom>
+          <a:solidFill>
+            <a:schemeClr val="accent4">
+              <a:lumMod val="20000"/>
+              <a:lumOff val="80000"/>
+            </a:schemeClr>
+          </a:solidFill>
+          <a:ln w="19050">
+            <a:noFill/>
+          </a:ln>
+          <a:effectLst/>
+        </p:spPr>
+        <p:style>
+          <a:lnRef idx="1">
+            <a:schemeClr val="accent2"/>
+          </a:lnRef>
+          <a:fillRef idx="2">
+            <a:schemeClr val="accent2"/>
+          </a:fillRef>
+          <a:effectRef idx="1">
+            <a:schemeClr val="accent2"/>
+          </a:effectRef>
+          <a:fontRef idx="minor">
+            <a:schemeClr val="dk1"/>
+          </a:fontRef>
+        </p:style>
+        <p:txBody>
+          <a:bodyPr rtlCol="0" anchor="ctr"/>
+          <a:lstStyle/>
+          <a:p>
+            <a:pPr algn="ctr"/>
+            <a:r>
+              <a:rPr lang="en-US" sz="1100" b="1" dirty="0">
+                <a:solidFill>
+                  <a:schemeClr val="bg1"/>
+                </a:solidFill>
+              </a:rPr>
+              <a:t>Model</a:t>
+            </a:r>
+            <a:endParaRPr lang="en-SG" sz="1100" b="1" dirty="0">
+              <a:solidFill>
+                <a:schemeClr val="bg1"/>
+              </a:solidFill>
+            </a:endParaRPr>
+          </a:p>
+        </p:txBody>
+      </p:sp>
+      <p:sp>
+        <p:nvSpPr>
+          <p:cNvPr id="10" name="Rectangle 11"/>
+          <p:cNvSpPr/>
+          <p:nvPr/>
+        </p:nvSpPr>
+        <p:spPr>
+          <a:xfrm flipH="1">
+            <a:off x="5407271" y="2481956"/>
+            <a:ext cx="784529" cy="304692"/>
+          </a:xfrm>
+          <a:prstGeom prst="rect">
+            <a:avLst/>
+          </a:prstGeom>
+          <a:ln w="19050">
+            <a:solidFill>
+              <a:srgbClr val="0070C0"/>
+            </a:solidFill>
+          </a:ln>
+          <a:effectLst/>
+        </p:spPr>
+        <p:style>
+          <a:lnRef idx="1">
+            <a:schemeClr val="accent1"/>
+          </a:lnRef>
+          <a:fillRef idx="2">
+            <a:schemeClr val="accent1"/>
+          </a:fillRef>
+          <a:effectRef idx="1">
+            <a:schemeClr val="accent1"/>
+          </a:effectRef>
+          <a:fontRef idx="minor">
+            <a:schemeClr val="dk1"/>
+          </a:fontRef>
+        </p:style>
+        <p:txBody>
+          <a:bodyPr rtlCol="0" anchor="ctr"/>
+          <a:lstStyle/>
+          <a:p>
+            <a:pPr algn="ctr"/>
+            <a:r>
+              <a:rPr lang="en-US" sz="700" b="1" dirty="0" err="1" smtClean="0">
+                <a:solidFill>
+                  <a:srgbClr val="0070C0"/>
+                </a:solidFill>
+              </a:rPr>
+              <a:t>FindCommand</a:t>
+            </a:r>
+            <a:endParaRPr lang="en-SG" sz="700" b="1" dirty="0">
+              <a:solidFill>
+                <a:srgbClr val="0070C0"/>
+              </a:solidFill>
+            </a:endParaRPr>
+          </a:p>
+        </p:txBody>
+      </p:sp>
+      <p:sp>
+        <p:nvSpPr>
+          <p:cNvPr id="11" name="Rectangle 10"/>
+          <p:cNvSpPr/>
+          <p:nvPr/>
+        </p:nvSpPr>
+        <p:spPr>
+          <a:xfrm flipH="1">
+            <a:off x="5419702" y="3143601"/>
+            <a:ext cx="762000" cy="210454"/>
+          </a:xfrm>
+          <a:prstGeom prst="rect">
+            <a:avLst/>
+          </a:prstGeom>
+          <a:ln w="19050">
+            <a:solidFill>
+              <a:srgbClr val="0070C0"/>
+            </a:solidFill>
+          </a:ln>
+          <a:effectLst/>
+        </p:spPr>
+        <p:style>
+          <a:lnRef idx="1">
+            <a:schemeClr val="accent1"/>
+          </a:lnRef>
+          <a:fillRef idx="2">
+            <a:schemeClr val="accent1"/>
+          </a:fillRef>
+          <a:effectRef idx="1">
+            <a:schemeClr val="accent1"/>
+          </a:effectRef>
+          <a:fontRef idx="minor">
+            <a:schemeClr val="dk1"/>
+          </a:fontRef>
+        </p:style>
+        <p:txBody>
+          <a:bodyPr rtlCol="0" anchor="ctr"/>
+          <a:lstStyle/>
+          <a:p>
+            <a:pPr algn="ctr"/>
+            <a:r>
+              <a:rPr lang="en-US" sz="700" b="1" dirty="0" smtClean="0">
+                <a:solidFill>
+                  <a:srgbClr val="0070C0"/>
+                </a:solidFill>
+              </a:rPr>
+              <a:t>Incorrect</a:t>
+            </a:r>
+            <a:br>
+              <a:rPr lang="en-US" sz="700" b="1" dirty="0" smtClean="0">
+                <a:solidFill>
+                  <a:srgbClr val="0070C0"/>
+                </a:solidFill>
+              </a:rPr>
+            </a:br>
+            <a:r>
+              <a:rPr lang="en-US" sz="700" b="1" dirty="0" smtClean="0">
+                <a:solidFill>
+                  <a:srgbClr val="0070C0"/>
+                </a:solidFill>
+              </a:rPr>
+              <a:t>Command</a:t>
+            </a:r>
+            <a:endParaRPr lang="en-SG" sz="700" b="1" dirty="0">
+              <a:solidFill>
+                <a:srgbClr val="0070C0"/>
+              </a:solidFill>
+            </a:endParaRPr>
+          </a:p>
+        </p:txBody>
+      </p:sp>
+      <p:sp>
+        <p:nvSpPr>
+          <p:cNvPr id="12" name="Rectangle 62"/>
+          <p:cNvSpPr/>
+          <p:nvPr/>
+        </p:nvSpPr>
+        <p:spPr>
+          <a:xfrm>
+            <a:off x="7438239" y="4149040"/>
+            <a:ext cx="772043" cy="346760"/>
+          </a:xfrm>
+          <a:prstGeom prst="rect">
+            <a:avLst/>
+          </a:prstGeom>
+          <a:ln w="19050">
+            <a:solidFill>
+              <a:srgbClr val="0070C0"/>
+            </a:solidFill>
+          </a:ln>
+          <a:effectLst/>
+        </p:spPr>
+        <p:style>
+          <a:lnRef idx="1">
+            <a:schemeClr val="accent1"/>
+          </a:lnRef>
+          <a:fillRef idx="2">
+            <a:schemeClr val="accent1"/>
+          </a:fillRef>
+          <a:effectRef idx="1">
+            <a:schemeClr val="accent1"/>
+          </a:effectRef>
+          <a:fontRef idx="minor">
+            <a:schemeClr val="dk1"/>
+          </a:fontRef>
+        </p:style>
+        <p:txBody>
+          <a:bodyPr rtlCol="0" anchor="ctr"/>
+          <a:lstStyle/>
+          <a:p>
+            <a:pPr algn="ctr"/>
+            <a:r>
+              <a:rPr lang="en-US" sz="1050" b="1" dirty="0">
+                <a:solidFill>
+                  <a:srgbClr val="0070C0"/>
+                </a:solidFill>
+              </a:rPr>
+              <a:t>{abstract}</a:t>
+            </a:r>
+            <a:br>
+              <a:rPr lang="en-US" sz="1050" b="1" dirty="0">
+                <a:solidFill>
+                  <a:srgbClr val="0070C0"/>
+                </a:solidFill>
+              </a:rPr>
+            </a:br>
+            <a:r>
+              <a:rPr lang="en-US" sz="1050" b="1" dirty="0">
+                <a:solidFill>
+                  <a:srgbClr val="0070C0"/>
+                </a:solidFill>
+              </a:rPr>
+              <a:t>Command</a:t>
+            </a:r>
+            <a:endParaRPr lang="en-SG" sz="1050" b="1" dirty="0">
+              <a:solidFill>
+                <a:srgbClr val="0070C0"/>
+              </a:solidFill>
+            </a:endParaRPr>
+          </a:p>
+        </p:txBody>
+      </p:sp>
+      <p:sp>
+        <p:nvSpPr>
+          <p:cNvPr id="16" name="Rectangle 62"/>
+          <p:cNvSpPr/>
+          <p:nvPr/>
+        </p:nvSpPr>
+        <p:spPr>
+          <a:xfrm>
+            <a:off x="3529350" y="3775502"/>
+            <a:ext cx="585450" cy="346760"/>
+          </a:xfrm>
+          <a:prstGeom prst="rect">
+            <a:avLst/>
+          </a:prstGeom>
+          <a:solidFill>
+            <a:schemeClr val="accent5"/>
+          </a:solidFill>
+          <a:ln/>
+          <a:effectLst/>
+        </p:spPr>
+        <p:style>
+          <a:lnRef idx="1">
+            <a:schemeClr val="accent5"/>
+          </a:lnRef>
+          <a:fillRef idx="2">
+            <a:schemeClr val="accent5"/>
+          </a:fillRef>
+          <a:effectRef idx="1">
+            <a:schemeClr val="accent5"/>
+          </a:effectRef>
+          <a:fontRef idx="minor">
+            <a:schemeClr val="dk1"/>
+          </a:fontRef>
+        </p:style>
+        <p:txBody>
+          <a:bodyPr rtlCol="0" anchor="ctr"/>
+          <a:lstStyle/>
+          <a:p>
+            <a:pPr algn="ctr"/>
+            <a:r>
+              <a:rPr lang="en-US" sz="1050" dirty="0">
+                <a:solidFill>
+                  <a:schemeClr val="bg1"/>
+                </a:solidFill>
+              </a:rPr>
+              <a:t>Parser</a:t>
+            </a:r>
+            <a:endParaRPr lang="en-SG" sz="1050" dirty="0">
+              <a:solidFill>
+                <a:schemeClr val="bg1"/>
+              </a:solidFill>
+            </a:endParaRPr>
+          </a:p>
+        </p:txBody>
+      </p:sp>
+      <p:cxnSp>
+        <p:nvCxnSpPr>
+          <p:cNvPr id="17" name="Elbow Connector 106"/>
+          <p:cNvCxnSpPr>
+            <a:stCxn id="5" idx="3"/>
+            <a:endCxn id="16" idx="1"/>
+          </p:cNvCxnSpPr>
+          <p:nvPr/>
+        </p:nvCxnSpPr>
+        <p:spPr>
+          <a:xfrm>
+            <a:off x="2874420" y="3946343"/>
+            <a:ext cx="654930" cy="2539"/>
+          </a:xfrm>
+          <a:prstGeom prst="bentConnector3">
+            <a:avLst>
+              <a:gd name="adj1" fmla="val 50000"/>
+            </a:avLst>
+          </a:prstGeom>
+          <a:ln w="19050">
+            <a:solidFill>
+              <a:srgbClr val="0070C0"/>
+            </a:solidFill>
+            <a:prstDash val="solid"/>
+            <a:headEnd type="none" w="med" len="med"/>
+            <a:tailEnd type="arrow" w="med" len="med"/>
+          </a:ln>
+          <a:effectLst/>
+        </p:spPr>
+        <p:style>
+          <a:lnRef idx="1">
+            <a:schemeClr val="accent2"/>
+          </a:lnRef>
+          <a:fillRef idx="2">
+            <a:schemeClr val="accent2"/>
+          </a:fillRef>
+          <a:effectRef idx="1">
+            <a:schemeClr val="accent2"/>
+          </a:effectRef>
+          <a:fontRef idx="minor">
+            <a:schemeClr val="dk1"/>
+          </a:fontRef>
+        </p:style>
+      </p:cxnSp>
+      <p:cxnSp>
+        <p:nvCxnSpPr>
+          <p:cNvPr id="18" name="Straight Arrow Connector 110"/>
+          <p:cNvCxnSpPr>
+            <a:stCxn id="12" idx="2"/>
+          </p:cNvCxnSpPr>
+          <p:nvPr/>
+        </p:nvCxnSpPr>
+        <p:spPr>
+          <a:xfrm>
+            <a:off x="7824261" y="4495800"/>
+            <a:ext cx="0" cy="281555"/>
+          </a:xfrm>
+          <a:prstGeom prst="straightConnector1">
+            <a:avLst/>
+          </a:prstGeom>
+          <a:ln w="19050">
+            <a:solidFill>
+              <a:srgbClr val="0070C0"/>
+            </a:solidFill>
+            <a:prstDash val="sysDot"/>
+            <a:headEnd type="none" w="med" len="med"/>
+            <a:tailEnd type="arrow" w="med" len="med"/>
+          </a:ln>
+          <a:effectLst/>
+        </p:spPr>
+        <p:style>
+          <a:lnRef idx="1">
+            <a:schemeClr val="accent2"/>
+          </a:lnRef>
+          <a:fillRef idx="2">
+            <a:schemeClr val="accent2"/>
+          </a:fillRef>
+          <a:effectRef idx="1">
+            <a:schemeClr val="accent2"/>
+          </a:effectRef>
+          <a:fontRef idx="minor">
+            <a:schemeClr val="dk1"/>
+          </a:fontRef>
+        </p:style>
+      </p:cxnSp>
+      <p:sp>
+        <p:nvSpPr>
+          <p:cNvPr id="19" name="Rectangle 62"/>
+          <p:cNvSpPr/>
+          <p:nvPr/>
+        </p:nvSpPr>
+        <p:spPr>
+          <a:xfrm rot="16200000">
+            <a:off x="398120" y="2150720"/>
+            <a:ext cx="2209800" cy="346760"/>
+          </a:xfrm>
+          <a:prstGeom prst="rect">
+            <a:avLst/>
+          </a:prstGeom>
+          <a:solidFill>
+            <a:srgbClr val="0070C0"/>
+          </a:solidFill>
+          <a:ln w="19050">
+            <a:solidFill>
+              <a:srgbClr val="0070C0"/>
+            </a:solidFill>
+          </a:ln>
+          <a:effectLst/>
+        </p:spPr>
+        <p:style>
+          <a:lnRef idx="1">
+            <a:schemeClr val="accent2"/>
+          </a:lnRef>
+          <a:fillRef idx="2">
+            <a:schemeClr val="accent2"/>
+          </a:fillRef>
+          <a:effectRef idx="1">
+            <a:schemeClr val="accent2"/>
+          </a:effectRef>
+          <a:fontRef idx="minor">
+            <a:schemeClr val="dk1"/>
+          </a:fontRef>
+        </p:style>
+        <p:txBody>
+          <a:bodyPr rtlCol="0" anchor="ctr"/>
+          <a:lstStyle/>
+          <a:p>
+            <a:pPr algn="ctr"/>
+            <a:r>
+              <a:rPr lang="en-US" sz="1050" dirty="0">
+                <a:solidFill>
+                  <a:schemeClr val="bg1"/>
+                </a:solidFill>
+              </a:rPr>
+              <a:t>&lt;&lt;interface&gt;&gt;</a:t>
+            </a:r>
+          </a:p>
+          <a:p>
+            <a:pPr algn="ctr"/>
+            <a:r>
+              <a:rPr lang="en-US" sz="1050" dirty="0">
+                <a:solidFill>
+                  <a:schemeClr val="bg1"/>
+                </a:solidFill>
+              </a:rPr>
+              <a:t>Logic</a:t>
+            </a:r>
+            <a:endParaRPr lang="en-SG" sz="1050" dirty="0">
+              <a:solidFill>
+                <a:schemeClr val="bg1"/>
+              </a:solidFill>
+            </a:endParaRPr>
+          </a:p>
+        </p:txBody>
+      </p:sp>
+      <p:sp>
+        <p:nvSpPr>
+          <p:cNvPr id="20" name="Isosceles Triangle 102"/>
+          <p:cNvSpPr/>
+          <p:nvPr/>
+        </p:nvSpPr>
+        <p:spPr>
+          <a:xfrm>
+            <a:off x="1359039" y="3429000"/>
+            <a:ext cx="270504" cy="175523"/>
+          </a:xfrm>
+          <a:prstGeom prst="triangle">
+            <a:avLst/>
+          </a:prstGeom>
+          <a:solidFill>
+            <a:schemeClr val="tx2">
+              <a:lumMod val="60000"/>
+              <a:lumOff val="40000"/>
+            </a:schemeClr>
+          </a:solidFill>
+          <a:ln w="19050">
+            <a:solidFill>
+              <a:srgbClr val="0070C0"/>
+            </a:solidFill>
+          </a:ln>
+          <a:effectLst/>
+        </p:spPr>
+        <p:style>
+          <a:lnRef idx="1">
+            <a:schemeClr val="accent1"/>
+          </a:lnRef>
+          <a:fillRef idx="2">
+            <a:schemeClr val="accent1"/>
+          </a:fillRef>
+          <a:effectRef idx="1">
+            <a:schemeClr val="accent1"/>
+          </a:effectRef>
+          <a:fontRef idx="minor">
+            <a:schemeClr val="dk1"/>
+          </a:fontRef>
+        </p:style>
+        <p:txBody>
+          <a:bodyPr rtlCol="0" anchor="ctr"/>
+          <a:lstStyle/>
+          <a:p>
+            <a:pPr algn="ctr"/>
+            <a:endParaRPr lang="en-SG" sz="1050" b="1">
+              <a:solidFill>
+                <a:srgbClr val="92D050"/>
+              </a:solidFill>
+            </a:endParaRPr>
+          </a:p>
+        </p:txBody>
+      </p:sp>
+      <p:cxnSp>
+        <p:nvCxnSpPr>
+          <p:cNvPr id="21" name="Elbow Connector 63"/>
+          <p:cNvCxnSpPr>
+            <a:stCxn id="5" idx="1"/>
+            <a:endCxn id="20" idx="3"/>
+          </p:cNvCxnSpPr>
+          <p:nvPr/>
+        </p:nvCxnSpPr>
+        <p:spPr>
+          <a:xfrm rot="10800000">
+            <a:off x="1494291" y="3604523"/>
+            <a:ext cx="286494" cy="341820"/>
+          </a:xfrm>
+          <a:prstGeom prst="bentConnector2">
+            <a:avLst/>
+          </a:prstGeom>
+          <a:ln w="19050">
+            <a:solidFill>
+              <a:srgbClr val="0070C0"/>
+            </a:solidFill>
+            <a:prstDash val="sysDot"/>
+            <a:headEnd type="none" w="med" len="med"/>
+            <a:tailEnd type="none" w="med" len="med"/>
+          </a:ln>
+          <a:effectLst/>
+        </p:spPr>
+        <p:style>
+          <a:lnRef idx="1">
+            <a:schemeClr val="accent2"/>
+          </a:lnRef>
+          <a:fillRef idx="2">
+            <a:schemeClr val="accent2"/>
+          </a:fillRef>
+          <a:effectRef idx="1">
+            <a:schemeClr val="accent2"/>
+          </a:effectRef>
+          <a:fontRef idx="minor">
+            <a:schemeClr val="dk1"/>
+          </a:fontRef>
+        </p:style>
+      </p:cxnSp>
+      <p:cxnSp>
+        <p:nvCxnSpPr>
+          <p:cNvPr id="23" name="Straight Arrow Connector 57"/>
+          <p:cNvCxnSpPr/>
+          <p:nvPr/>
+        </p:nvCxnSpPr>
+        <p:spPr>
+          <a:xfrm flipH="1">
+            <a:off x="1981201" y="4122262"/>
+            <a:ext cx="1" cy="655093"/>
+          </a:xfrm>
+          <a:prstGeom prst="straightConnector1">
+            <a:avLst/>
+          </a:prstGeom>
+          <a:ln w="19050">
+            <a:solidFill>
+              <a:srgbClr val="0070C0"/>
+            </a:solidFill>
+            <a:headEnd type="none" w="med" len="med"/>
+            <a:tailEnd type="arrow" w="med" len="med"/>
+          </a:ln>
+          <a:effectLst/>
+        </p:spPr>
+        <p:style>
+          <a:lnRef idx="1">
+            <a:schemeClr val="accent2"/>
+          </a:lnRef>
+          <a:fillRef idx="2">
+            <a:schemeClr val="accent2"/>
+          </a:fillRef>
+          <a:effectRef idx="1">
+            <a:schemeClr val="accent2"/>
+          </a:effectRef>
+          <a:fontRef idx="minor">
+            <a:schemeClr val="dk1"/>
+          </a:fontRef>
+        </p:style>
+      </p:cxnSp>
+      <p:cxnSp>
+        <p:nvCxnSpPr>
+          <p:cNvPr id="24" name="Elbow Connector 122"/>
+          <p:cNvCxnSpPr/>
+          <p:nvPr/>
+        </p:nvCxnSpPr>
+        <p:spPr>
+          <a:xfrm>
+            <a:off x="893311" y="2832505"/>
+            <a:ext cx="419548" cy="2860"/>
+          </a:xfrm>
+          <a:prstGeom prst="bentConnector3">
+            <a:avLst>
+              <a:gd name="adj1" fmla="val 50000"/>
+            </a:avLst>
+          </a:prstGeom>
+          <a:ln w="19050">
+            <a:solidFill>
+              <a:schemeClr val="bg1">
+                <a:lumMod val="75000"/>
+              </a:schemeClr>
+            </a:solidFill>
+            <a:prstDash val="sysDot"/>
+            <a:headEnd type="none" w="med" len="med"/>
+            <a:tailEnd type="arrow" w="med" len="med"/>
+          </a:ln>
+          <a:effectLst/>
+        </p:spPr>
+        <p:style>
+          <a:lnRef idx="1">
+            <a:schemeClr val="accent2"/>
+          </a:lnRef>
+          <a:fillRef idx="2">
+            <a:schemeClr val="accent2"/>
+          </a:fillRef>
+          <a:effectRef idx="1">
+            <a:schemeClr val="accent2"/>
+          </a:effectRef>
+          <a:fontRef idx="minor">
+            <a:schemeClr val="dk1"/>
+          </a:fontRef>
+        </p:style>
+      </p:cxnSp>
+      <p:cxnSp>
+        <p:nvCxnSpPr>
+          <p:cNvPr id="25" name="Elbow Connector 63"/>
+          <p:cNvCxnSpPr>
+            <a:stCxn id="5" idx="2"/>
+            <a:endCxn id="12" idx="1"/>
+          </p:cNvCxnSpPr>
+          <p:nvPr/>
+        </p:nvCxnSpPr>
+        <p:spPr>
+          <a:xfrm rot="16200000" flipH="1">
+            <a:off x="4781573" y="1665753"/>
+            <a:ext cx="202697" cy="5110636"/>
+          </a:xfrm>
+          <a:prstGeom prst="bentConnector2">
+            <a:avLst/>
+          </a:prstGeom>
+          <a:ln w="19050">
+            <a:solidFill>
+              <a:srgbClr val="0070C0"/>
+            </a:solidFill>
+            <a:prstDash val="sysDot"/>
+            <a:headEnd type="none" w="med" len="med"/>
+            <a:tailEnd type="arrow" w="med" len="med"/>
+          </a:ln>
+          <a:effectLst/>
+        </p:spPr>
+        <p:style>
+          <a:lnRef idx="1">
+            <a:schemeClr val="accent2"/>
+          </a:lnRef>
+          <a:fillRef idx="2">
+            <a:schemeClr val="accent2"/>
+          </a:fillRef>
+          <a:effectRef idx="1">
+            <a:schemeClr val="accent2"/>
+          </a:effectRef>
+          <a:fontRef idx="minor">
+            <a:schemeClr val="dk1"/>
+          </a:fontRef>
+        </p:style>
+      </p:cxnSp>
+      <p:grpSp>
+        <p:nvGrpSpPr>
+          <p:cNvPr id="26" name="Group 25"/>
+          <p:cNvGrpSpPr/>
+          <p:nvPr/>
+        </p:nvGrpSpPr>
+        <p:grpSpPr>
+          <a:xfrm>
+            <a:off x="4597400" y="4341168"/>
+            <a:ext cx="889000" cy="230832"/>
+            <a:chOff x="2895600" y="807932"/>
+            <a:chExt cx="889000" cy="230832"/>
+          </a:xfrm>
+        </p:grpSpPr>
+        <p:sp>
+          <p:nvSpPr>
+            <p:cNvPr id="27" name="TextBox 26"/>
+            <p:cNvSpPr txBox="1"/>
+            <p:nvPr/>
+          </p:nvSpPr>
+          <p:spPr>
+            <a:xfrm>
+              <a:off x="2895600" y="807932"/>
+              <a:ext cx="728806" cy="230832"/>
+            </a:xfrm>
+            <a:prstGeom prst="rect">
+              <a:avLst/>
+            </a:prstGeom>
+            <a:noFill/>
+          </p:spPr>
+          <p:txBody>
+            <a:bodyPr wrap="square" lIns="0" tIns="0" rIns="0" bIns="0" rtlCol="0">
+              <a:noAutofit/>
+            </a:bodyPr>
+            <a:lstStyle/>
+            <a:p>
+              <a:pPr algn="r"/>
+              <a:r>
+                <a:rPr lang="en-US" sz="1100" dirty="0">
+                  <a:solidFill>
+                    <a:srgbClr val="0070C0"/>
+                  </a:solidFill>
+                </a:rPr>
+                <a:t>executes</a:t>
+              </a:r>
+              <a:endParaRPr lang="en-SG" sz="1100" dirty="0">
+                <a:solidFill>
+                  <a:srgbClr val="0070C0"/>
+                </a:solidFill>
+              </a:endParaRPr>
+            </a:p>
+          </p:txBody>
+        </p:sp>
+        <p:sp>
+          <p:nvSpPr>
+            <p:cNvPr id="28" name="Isosceles Triangle 27"/>
+            <p:cNvSpPr/>
+            <p:nvPr/>
+          </p:nvSpPr>
+          <p:spPr>
+            <a:xfrm rot="5400000">
+              <a:off x="3683524" y="866776"/>
+              <a:ext cx="125951" cy="76201"/>
+            </a:xfrm>
+            <a:prstGeom prst="triangle">
+              <a:avLst/>
+            </a:prstGeom>
+            <a:solidFill>
+              <a:srgbClr val="0070C0"/>
+            </a:solidFill>
+            <a:ln>
+              <a:noFill/>
+            </a:ln>
+          </p:spPr>
+          <p:style>
+            <a:lnRef idx="2">
+              <a:schemeClr val="accent1">
+                <a:shade val="50000"/>
+              </a:schemeClr>
+            </a:lnRef>
+            <a:fillRef idx="1">
+              <a:schemeClr val="accent1"/>
+            </a:fillRef>
+            <a:effectRef idx="0">
+              <a:schemeClr val="accent1"/>
+            </a:effectRef>
+            <a:fontRef idx="minor">
+              <a:schemeClr val="lt1"/>
+            </a:fontRef>
+          </p:style>
+          <p:txBody>
+            <a:bodyPr rtlCol="0" anchor="ctr"/>
+            <a:lstStyle/>
+            <a:p>
+              <a:pPr algn="ctr"/>
+              <a:endParaRPr lang="en-SG"/>
+            </a:p>
+          </p:txBody>
+        </p:sp>
+      </p:grpSp>
+      <p:grpSp>
+        <p:nvGrpSpPr>
+          <p:cNvPr id="29" name="Group 28"/>
+          <p:cNvGrpSpPr/>
+          <p:nvPr/>
+        </p:nvGrpSpPr>
+        <p:grpSpPr>
+          <a:xfrm>
+            <a:off x="4665110" y="1219200"/>
+            <a:ext cx="868568" cy="230832"/>
+            <a:chOff x="2755838" y="789460"/>
+            <a:chExt cx="868568" cy="230832"/>
+          </a:xfrm>
+        </p:grpSpPr>
+        <p:sp>
+          <p:nvSpPr>
+            <p:cNvPr id="30" name="TextBox 29"/>
+            <p:cNvSpPr txBox="1"/>
+            <p:nvPr/>
+          </p:nvSpPr>
+          <p:spPr>
+            <a:xfrm>
+              <a:off x="2895600" y="789460"/>
+              <a:ext cx="728806" cy="230832"/>
+            </a:xfrm>
+            <a:prstGeom prst="rect">
+              <a:avLst/>
+            </a:prstGeom>
+            <a:noFill/>
+          </p:spPr>
+          <p:txBody>
+            <a:bodyPr wrap="square" lIns="0" tIns="0" rIns="0" bIns="0" rtlCol="0">
+              <a:noAutofit/>
+            </a:bodyPr>
+            <a:lstStyle/>
+            <a:p>
+              <a:r>
+                <a:rPr lang="en-US" sz="1100" dirty="0">
+                  <a:solidFill>
+                    <a:srgbClr val="0070C0"/>
+                  </a:solidFill>
+                </a:rPr>
+                <a:t>produces</a:t>
+              </a:r>
+              <a:endParaRPr lang="en-SG" sz="1100" dirty="0">
+                <a:solidFill>
+                  <a:srgbClr val="0070C0"/>
+                </a:solidFill>
+              </a:endParaRPr>
+            </a:p>
+          </p:txBody>
+        </p:sp>
+        <p:sp>
+          <p:nvSpPr>
+            <p:cNvPr id="31" name="Isosceles Triangle 30"/>
+            <p:cNvSpPr/>
+            <p:nvPr/>
+          </p:nvSpPr>
+          <p:spPr>
+            <a:xfrm rot="16200000" flipH="1">
+              <a:off x="2730963" y="857181"/>
+              <a:ext cx="125951" cy="76201"/>
+            </a:xfrm>
+            <a:prstGeom prst="triangle">
+              <a:avLst/>
+            </a:prstGeom>
+            <a:solidFill>
+              <a:srgbClr val="0070C0"/>
+            </a:solidFill>
+            <a:ln>
+              <a:noFill/>
+            </a:ln>
+          </p:spPr>
+          <p:style>
+            <a:lnRef idx="2">
+              <a:schemeClr val="accent1">
+                <a:shade val="50000"/>
+              </a:schemeClr>
+            </a:lnRef>
+            <a:fillRef idx="1">
+              <a:schemeClr val="accent1"/>
+            </a:fillRef>
+            <a:effectRef idx="0">
+              <a:schemeClr val="accent1"/>
+            </a:effectRef>
+            <a:fontRef idx="minor">
+              <a:schemeClr val="lt1"/>
+            </a:fontRef>
+          </p:style>
+          <p:txBody>
+            <a:bodyPr rtlCol="0" anchor="ctr"/>
+            <a:lstStyle/>
+            <a:p>
+              <a:pPr algn="ctr"/>
+              <a:endParaRPr lang="en-SG"/>
+            </a:p>
+          </p:txBody>
+        </p:sp>
+      </p:grpSp>
+      <p:sp>
+        <p:nvSpPr>
+          <p:cNvPr id="32" name="TextBox 31"/>
+          <p:cNvSpPr txBox="1"/>
+          <p:nvPr/>
+        </p:nvSpPr>
+        <p:spPr>
+          <a:xfrm>
+            <a:off x="2301175" y="1618473"/>
+            <a:ext cx="131116" cy="230832"/>
+          </a:xfrm>
+          <a:prstGeom prst="rect">
+            <a:avLst/>
+          </a:prstGeom>
+          <a:noFill/>
+        </p:spPr>
+        <p:txBody>
+          <a:bodyPr wrap="square" lIns="0" tIns="0" rIns="0" bIns="0" rtlCol="0">
+            <a:noAutofit/>
+          </a:bodyPr>
+          <a:lstStyle/>
+          <a:p>
+            <a:pPr algn="r"/>
+            <a:r>
+              <a:rPr lang="en-US" sz="1100" dirty="0">
+                <a:solidFill>
+                  <a:srgbClr val="0070C0"/>
+                </a:solidFill>
+              </a:rPr>
+              <a:t>1</a:t>
+            </a:r>
+            <a:endParaRPr lang="en-SG" sz="1100" dirty="0">
+              <a:solidFill>
+                <a:srgbClr val="0070C0"/>
+              </a:solidFill>
+            </a:endParaRPr>
+          </a:p>
+        </p:txBody>
+      </p:sp>
+      <p:sp>
+        <p:nvSpPr>
+          <p:cNvPr id="33" name="TextBox 32"/>
+          <p:cNvSpPr txBox="1"/>
+          <p:nvPr/>
+        </p:nvSpPr>
+        <p:spPr>
+          <a:xfrm>
+            <a:off x="2912207" y="3709457"/>
+            <a:ext cx="131116" cy="230832"/>
+          </a:xfrm>
+          <a:prstGeom prst="rect">
+            <a:avLst/>
+          </a:prstGeom>
+          <a:noFill/>
+        </p:spPr>
+        <p:txBody>
+          <a:bodyPr wrap="square" lIns="0" tIns="0" rIns="0" bIns="0" rtlCol="0">
+            <a:noAutofit/>
+          </a:bodyPr>
+          <a:lstStyle/>
+          <a:p>
+            <a:pPr algn="r"/>
+            <a:r>
+              <a:rPr lang="en-US" sz="1100" dirty="0">
+                <a:solidFill>
+                  <a:srgbClr val="0070C0"/>
+                </a:solidFill>
+              </a:rPr>
+              <a:t>1</a:t>
+            </a:r>
+            <a:endParaRPr lang="en-SG" sz="1100" dirty="0">
+              <a:solidFill>
+                <a:srgbClr val="0070C0"/>
+              </a:solidFill>
+            </a:endParaRPr>
+          </a:p>
+        </p:txBody>
+      </p:sp>
+      <p:sp>
+        <p:nvSpPr>
+          <p:cNvPr id="37" name="Rectangle 11"/>
+          <p:cNvSpPr/>
+          <p:nvPr/>
+        </p:nvSpPr>
+        <p:spPr>
+          <a:xfrm flipH="1">
+            <a:off x="5421882" y="2872032"/>
+            <a:ext cx="762001" cy="208588"/>
+          </a:xfrm>
+          <a:prstGeom prst="rect">
+            <a:avLst/>
+          </a:prstGeom>
+          <a:ln w="19050">
+            <a:solidFill>
+              <a:srgbClr val="0070C0"/>
+            </a:solidFill>
+          </a:ln>
+          <a:effectLst/>
+        </p:spPr>
+        <p:style>
+          <a:lnRef idx="1">
+            <a:schemeClr val="accent1"/>
+          </a:lnRef>
+          <a:fillRef idx="2">
+            <a:schemeClr val="accent1"/>
+          </a:fillRef>
+          <a:effectRef idx="1">
+            <a:schemeClr val="accent1"/>
+          </a:effectRef>
+          <a:fontRef idx="minor">
+            <a:schemeClr val="dk1"/>
+          </a:fontRef>
+        </p:style>
+        <p:txBody>
+          <a:bodyPr rtlCol="0" anchor="ctr"/>
+          <a:lstStyle/>
+          <a:p>
+            <a:pPr algn="ctr"/>
+            <a:r>
+              <a:rPr lang="en-US" sz="1050" b="1" dirty="0" smtClean="0">
+                <a:solidFill>
+                  <a:srgbClr val="0070C0"/>
+                </a:solidFill>
+              </a:rPr>
+              <a:t>…</a:t>
+            </a:r>
+            <a:endParaRPr lang="en-SG" sz="1050" b="1" dirty="0">
+              <a:solidFill>
+                <a:srgbClr val="0070C0"/>
+              </a:solidFill>
+            </a:endParaRPr>
+          </a:p>
+        </p:txBody>
+      </p:sp>
+      <p:cxnSp>
+        <p:nvCxnSpPr>
+          <p:cNvPr id="39" name="Elbow Connector 122"/>
+          <p:cNvCxnSpPr/>
+          <p:nvPr/>
+        </p:nvCxnSpPr>
+        <p:spPr>
+          <a:xfrm rot="16200000" flipV="1">
+            <a:off x="1105538" y="2692369"/>
+            <a:ext cx="2147794" cy="2"/>
+          </a:xfrm>
+          <a:prstGeom prst="bentConnector3">
+            <a:avLst>
+              <a:gd name="adj1" fmla="val 50000"/>
+            </a:avLst>
+          </a:prstGeom>
+          <a:ln w="19050">
+            <a:solidFill>
+              <a:srgbClr val="0070C0"/>
+            </a:solidFill>
+            <a:prstDash val="sysDot"/>
+            <a:headEnd type="none" w="med" len="med"/>
+            <a:tailEnd type="arrow" w="med" len="med"/>
+          </a:ln>
+          <a:effectLst/>
+        </p:spPr>
+        <p:style>
+          <a:lnRef idx="1">
+            <a:schemeClr val="accent2"/>
+          </a:lnRef>
+          <a:fillRef idx="2">
+            <a:schemeClr val="accent2"/>
+          </a:fillRef>
+          <a:effectRef idx="1">
+            <a:schemeClr val="accent2"/>
+          </a:effectRef>
+          <a:fontRef idx="minor">
+            <a:schemeClr val="dk1"/>
+          </a:fontRef>
+        </p:style>
+      </p:cxnSp>
+      <p:sp>
+        <p:nvSpPr>
+          <p:cNvPr id="56" name="Rectangle 62"/>
+          <p:cNvSpPr/>
+          <p:nvPr/>
+        </p:nvSpPr>
+        <p:spPr>
+          <a:xfrm>
+            <a:off x="2807288" y="1905000"/>
+            <a:ext cx="751107" cy="346760"/>
+          </a:xfrm>
+          <a:prstGeom prst="rect">
+            <a:avLst/>
+          </a:prstGeom>
+          <a:solidFill>
+            <a:schemeClr val="accent5">
+              <a:lumMod val="60000"/>
+              <a:lumOff val="40000"/>
+            </a:schemeClr>
+          </a:solidFill>
+          <a:ln w="19050">
+            <a:solidFill>
+              <a:schemeClr val="accent5">
+                <a:lumMod val="60000"/>
+                <a:lumOff val="40000"/>
+              </a:schemeClr>
+            </a:solidFill>
+          </a:ln>
+          <a:effectLst/>
+        </p:spPr>
+        <p:style>
+          <a:lnRef idx="1">
+            <a:schemeClr val="accent2"/>
+          </a:lnRef>
+          <a:fillRef idx="2">
+            <a:schemeClr val="accent2"/>
+          </a:fillRef>
+          <a:effectRef idx="1">
+            <a:schemeClr val="accent2"/>
+          </a:effectRef>
+          <a:fontRef idx="minor">
+            <a:schemeClr val="dk1"/>
+          </a:fontRef>
+        </p:style>
+        <p:txBody>
+          <a:bodyPr rtlCol="0" anchor="ctr"/>
+          <a:lstStyle/>
+          <a:p>
+            <a:pPr algn="ctr"/>
+            <a:r>
+              <a:rPr lang="en-US" sz="1050" dirty="0" smtClean="0">
+                <a:solidFill>
+                  <a:schemeClr val="bg1"/>
+                </a:solidFill>
+              </a:rPr>
+              <a:t>Argument</a:t>
+            </a:r>
+            <a:br>
+              <a:rPr lang="en-US" sz="1050" dirty="0" smtClean="0">
+                <a:solidFill>
+                  <a:schemeClr val="bg1"/>
+                </a:solidFill>
+              </a:rPr>
+            </a:br>
+            <a:r>
+              <a:rPr lang="en-US" sz="1050" dirty="0" smtClean="0">
+                <a:solidFill>
+                  <a:schemeClr val="bg1"/>
+                </a:solidFill>
+              </a:rPr>
+              <a:t>Tokenizer</a:t>
+            </a:r>
+            <a:endParaRPr lang="en-SG" sz="1050" dirty="0">
+              <a:solidFill>
+                <a:schemeClr val="bg1"/>
+              </a:solidFill>
+            </a:endParaRPr>
+          </a:p>
+        </p:txBody>
+      </p:sp>
+      <p:sp>
+        <p:nvSpPr>
+          <p:cNvPr id="58" name="Rectangle 62"/>
+          <p:cNvSpPr/>
+          <p:nvPr/>
+        </p:nvSpPr>
+        <p:spPr>
+          <a:xfrm>
+            <a:off x="2813291" y="2432664"/>
+            <a:ext cx="726243" cy="174580"/>
+          </a:xfrm>
+          <a:prstGeom prst="rect">
+            <a:avLst/>
+          </a:prstGeom>
+          <a:solidFill>
+            <a:schemeClr val="accent5">
+              <a:lumMod val="60000"/>
+              <a:lumOff val="40000"/>
+            </a:schemeClr>
+          </a:solidFill>
+          <a:ln w="19050">
+            <a:solidFill>
+              <a:schemeClr val="accent5">
+                <a:lumMod val="60000"/>
+                <a:lumOff val="40000"/>
+              </a:schemeClr>
+            </a:solidFill>
+          </a:ln>
+          <a:effectLst/>
+        </p:spPr>
+        <p:style>
+          <a:lnRef idx="1">
+            <a:schemeClr val="accent2"/>
+          </a:lnRef>
+          <a:fillRef idx="2">
+            <a:schemeClr val="accent2"/>
+          </a:fillRef>
+          <a:effectRef idx="1">
+            <a:schemeClr val="accent2"/>
+          </a:effectRef>
+          <a:fontRef idx="minor">
+            <a:schemeClr val="dk1"/>
+          </a:fontRef>
+        </p:style>
+        <p:txBody>
+          <a:bodyPr rtlCol="0" anchor="ctr"/>
+          <a:lstStyle/>
+          <a:p>
+            <a:pPr algn="ctr"/>
+            <a:r>
+              <a:rPr lang="en-US" sz="1050" dirty="0" smtClean="0">
+                <a:solidFill>
+                  <a:schemeClr val="bg1"/>
+                </a:solidFill>
+              </a:rPr>
+              <a:t>Prefix</a:t>
+            </a:r>
+            <a:endParaRPr lang="en-SG" sz="1050" dirty="0">
+              <a:solidFill>
+                <a:schemeClr val="bg1"/>
+              </a:solidFill>
+            </a:endParaRPr>
+          </a:p>
+        </p:txBody>
+      </p:sp>
+      <p:sp>
+        <p:nvSpPr>
+          <p:cNvPr id="60" name="Rectangle 62"/>
+          <p:cNvSpPr/>
+          <p:nvPr/>
+        </p:nvSpPr>
+        <p:spPr>
+          <a:xfrm>
+            <a:off x="2819400" y="2841725"/>
+            <a:ext cx="731636" cy="283820"/>
+          </a:xfrm>
+          <a:prstGeom prst="rect">
+            <a:avLst/>
+          </a:prstGeom>
+          <a:solidFill>
+            <a:schemeClr val="accent5">
+              <a:lumMod val="60000"/>
+              <a:lumOff val="40000"/>
+            </a:schemeClr>
+          </a:solidFill>
+          <a:ln w="19050">
+            <a:solidFill>
+              <a:schemeClr val="accent5">
+                <a:lumMod val="60000"/>
+                <a:lumOff val="40000"/>
+              </a:schemeClr>
+            </a:solidFill>
+          </a:ln>
+          <a:effectLst/>
+        </p:spPr>
+        <p:style>
+          <a:lnRef idx="1">
+            <a:schemeClr val="accent2"/>
+          </a:lnRef>
+          <a:fillRef idx="2">
+            <a:schemeClr val="accent2"/>
+          </a:fillRef>
+          <a:effectRef idx="1">
+            <a:schemeClr val="accent2"/>
+          </a:effectRef>
+          <a:fontRef idx="minor">
+            <a:schemeClr val="dk1"/>
+          </a:fontRef>
+        </p:style>
+        <p:txBody>
+          <a:bodyPr rtlCol="0" anchor="ctr"/>
+          <a:lstStyle/>
+          <a:p>
+            <a:pPr algn="ctr"/>
+            <a:r>
+              <a:rPr lang="en-SG" sz="1050" dirty="0" err="1" smtClean="0">
+                <a:solidFill>
+                  <a:schemeClr val="bg1"/>
+                </a:solidFill>
+              </a:rPr>
+              <a:t>CliSyntax</a:t>
+            </a:r>
+            <a:endParaRPr lang="en-SG" sz="1050" dirty="0">
+              <a:solidFill>
+                <a:schemeClr val="bg1"/>
+              </a:solidFill>
+            </a:endParaRPr>
+          </a:p>
+        </p:txBody>
+      </p:sp>
+      <p:sp>
+        <p:nvSpPr>
+          <p:cNvPr id="62" name="Rectangle 62"/>
+          <p:cNvSpPr/>
+          <p:nvPr/>
+        </p:nvSpPr>
+        <p:spPr>
+          <a:xfrm>
+            <a:off x="2819400" y="3190882"/>
+            <a:ext cx="731636" cy="283820"/>
+          </a:xfrm>
+          <a:prstGeom prst="rect">
+            <a:avLst/>
+          </a:prstGeom>
+          <a:solidFill>
+            <a:schemeClr val="accent5">
+              <a:lumMod val="60000"/>
+              <a:lumOff val="40000"/>
+            </a:schemeClr>
+          </a:solidFill>
+          <a:ln w="19050">
+            <a:solidFill>
+              <a:schemeClr val="accent5">
+                <a:lumMod val="60000"/>
+                <a:lumOff val="40000"/>
+              </a:schemeClr>
+            </a:solidFill>
+          </a:ln>
+          <a:effectLst/>
+        </p:spPr>
+        <p:style>
+          <a:lnRef idx="1">
+            <a:schemeClr val="accent2"/>
+          </a:lnRef>
+          <a:fillRef idx="2">
+            <a:schemeClr val="accent2"/>
+          </a:fillRef>
+          <a:effectRef idx="1">
+            <a:schemeClr val="accent2"/>
+          </a:effectRef>
+          <a:fontRef idx="minor">
+            <a:schemeClr val="dk1"/>
+          </a:fontRef>
+        </p:style>
+        <p:txBody>
+          <a:bodyPr rtlCol="0" anchor="ctr"/>
+          <a:lstStyle/>
+          <a:p>
+            <a:pPr algn="ctr"/>
+            <a:r>
+              <a:rPr lang="en-SG" sz="1050" dirty="0" err="1" smtClean="0">
+                <a:solidFill>
+                  <a:schemeClr val="bg1"/>
+                </a:solidFill>
+              </a:rPr>
+              <a:t>ParserUtil</a:t>
+            </a:r>
+            <a:endParaRPr lang="en-SG" sz="1050" dirty="0">
+              <a:solidFill>
+                <a:schemeClr val="bg1"/>
+              </a:solidFill>
+            </a:endParaRPr>
+          </a:p>
+        </p:txBody>
+      </p:sp>
+      <p:cxnSp>
+        <p:nvCxnSpPr>
+          <p:cNvPr id="100" name="Straight Arrow Connector 99"/>
+          <p:cNvCxnSpPr>
+            <a:endCxn id="60" idx="3"/>
+          </p:cNvCxnSpPr>
+          <p:nvPr/>
+        </p:nvCxnSpPr>
+        <p:spPr>
+          <a:xfrm flipH="1">
+            <a:off x="3551036" y="2983635"/>
+            <a:ext cx="335164" cy="0"/>
+          </a:xfrm>
+          <a:prstGeom prst="straightConnector1">
+            <a:avLst/>
+          </a:prstGeom>
+          <a:ln w="19050">
+            <a:solidFill>
+              <a:schemeClr val="accent5">
+                <a:lumMod val="50000"/>
+              </a:schemeClr>
+            </a:solidFill>
+            <a:prstDash val="sysDot"/>
+            <a:headEnd type="none" w="med" len="med"/>
+            <a:tailEnd type="arrow" w="med" len="med"/>
+          </a:ln>
+          <a:effectLst/>
+        </p:spPr>
+        <p:style>
+          <a:lnRef idx="1">
+            <a:schemeClr val="accent2"/>
+          </a:lnRef>
+          <a:fillRef idx="2">
+            <a:schemeClr val="accent2"/>
+          </a:fillRef>
+          <a:effectRef idx="1">
+            <a:schemeClr val="accent2"/>
+          </a:effectRef>
+          <a:fontRef idx="minor">
+            <a:schemeClr val="dk1"/>
+          </a:fontRef>
+        </p:style>
+      </p:cxnSp>
+      <p:cxnSp>
+        <p:nvCxnSpPr>
+          <p:cNvPr id="105" name="Straight Arrow Connector 104"/>
+          <p:cNvCxnSpPr/>
+          <p:nvPr/>
+        </p:nvCxnSpPr>
+        <p:spPr>
+          <a:xfrm flipH="1" flipV="1">
+            <a:off x="3558396" y="3297471"/>
+            <a:ext cx="327804" cy="5426"/>
+          </a:xfrm>
+          <a:prstGeom prst="straightConnector1">
+            <a:avLst/>
+          </a:prstGeom>
+          <a:ln w="19050">
+            <a:solidFill>
+              <a:schemeClr val="accent5">
+                <a:lumMod val="50000"/>
+              </a:schemeClr>
+            </a:solidFill>
+            <a:prstDash val="sysDot"/>
+            <a:headEnd type="none" w="med" len="med"/>
+            <a:tailEnd type="arrow" w="med" len="med"/>
+          </a:ln>
+          <a:effectLst/>
+        </p:spPr>
+        <p:style>
+          <a:lnRef idx="1">
+            <a:schemeClr val="accent2"/>
+          </a:lnRef>
+          <a:fillRef idx="2">
+            <a:schemeClr val="accent2"/>
+          </a:fillRef>
+          <a:effectRef idx="1">
+            <a:schemeClr val="accent2"/>
+          </a:effectRef>
+          <a:fontRef idx="minor">
+            <a:schemeClr val="dk1"/>
+          </a:fontRef>
+        </p:style>
+      </p:cxnSp>
+      <p:cxnSp>
+        <p:nvCxnSpPr>
+          <p:cNvPr id="13" name="Elbow Connector 12"/>
+          <p:cNvCxnSpPr>
+            <a:stCxn id="60" idx="0"/>
+          </p:cNvCxnSpPr>
+          <p:nvPr/>
+        </p:nvCxnSpPr>
+        <p:spPr>
+          <a:xfrm rot="16200000" flipV="1">
+            <a:off x="3063575" y="2720082"/>
+            <a:ext cx="234481" cy="8806"/>
+          </a:xfrm>
+          <a:prstGeom prst="bentConnector3">
+            <a:avLst>
+              <a:gd name="adj1" fmla="val 50000"/>
+            </a:avLst>
+          </a:prstGeom>
+          <a:ln w="19050">
+            <a:solidFill>
+              <a:schemeClr val="accent5">
+                <a:lumMod val="60000"/>
+                <a:lumOff val="40000"/>
+              </a:schemeClr>
+            </a:solidFill>
+            <a:prstDash val="sysDot"/>
+            <a:headEnd type="none" w="med" len="med"/>
+            <a:tailEnd type="arrow" w="med" len="med"/>
+          </a:ln>
+          <a:effectLst/>
+        </p:spPr>
+        <p:style>
+          <a:lnRef idx="1">
+            <a:schemeClr val="accent2"/>
+          </a:lnRef>
+          <a:fillRef idx="2">
+            <a:schemeClr val="accent2"/>
+          </a:fillRef>
+          <a:effectRef idx="1">
+            <a:schemeClr val="accent2"/>
+          </a:effectRef>
+          <a:fontRef idx="minor">
+            <a:schemeClr val="dk1"/>
+          </a:fontRef>
+        </p:style>
+      </p:cxnSp>
+      <p:cxnSp>
+        <p:nvCxnSpPr>
+          <p:cNvPr id="47" name="Straight Connector 46"/>
+          <p:cNvCxnSpPr/>
+          <p:nvPr/>
+        </p:nvCxnSpPr>
+        <p:spPr>
+          <a:xfrm>
+            <a:off x="3539534" y="2078487"/>
+            <a:ext cx="346666" cy="0"/>
+          </a:xfrm>
+          <a:prstGeom prst="line">
+            <a:avLst/>
+          </a:prstGeom>
+          <a:ln w="19050">
+            <a:solidFill>
+              <a:schemeClr val="accent5">
+                <a:lumMod val="50000"/>
+              </a:schemeClr>
+            </a:solidFill>
+            <a:prstDash val="sysDot"/>
+            <a:headEnd type="arrow" w="med" len="med"/>
+            <a:tailEnd type="none" w="med" len="med"/>
+          </a:ln>
+          <a:effectLst/>
+        </p:spPr>
+        <p:style>
+          <a:lnRef idx="1">
+            <a:schemeClr val="accent2"/>
+          </a:lnRef>
+          <a:fillRef idx="2">
+            <a:schemeClr val="accent2"/>
+          </a:fillRef>
+          <a:effectRef idx="1">
+            <a:schemeClr val="accent2"/>
+          </a:effectRef>
+          <a:fontRef idx="minor">
+            <a:schemeClr val="dk1"/>
+          </a:fontRef>
+        </p:style>
+      </p:cxnSp>
+      <p:cxnSp>
+        <p:nvCxnSpPr>
+          <p:cNvPr id="50" name="Elbow Connector 49"/>
+          <p:cNvCxnSpPr>
+            <a:stCxn id="56" idx="2"/>
+            <a:endCxn id="58" idx="0"/>
+          </p:cNvCxnSpPr>
+          <p:nvPr/>
+        </p:nvCxnSpPr>
+        <p:spPr>
+          <a:xfrm rot="5400000">
+            <a:off x="3089176" y="2338998"/>
+            <a:ext cx="180904" cy="6429"/>
+          </a:xfrm>
+          <a:prstGeom prst="bentConnector3">
+            <a:avLst>
+              <a:gd name="adj1" fmla="val 50000"/>
+            </a:avLst>
+          </a:prstGeom>
+          <a:ln w="19050">
+            <a:solidFill>
+              <a:schemeClr val="accent5">
+                <a:lumMod val="60000"/>
+                <a:lumOff val="40000"/>
+              </a:schemeClr>
+            </a:solidFill>
+            <a:prstDash val="sysDot"/>
+            <a:headEnd type="none" w="med" len="med"/>
+            <a:tailEnd type="arrow" w="med" len="med"/>
+          </a:ln>
+          <a:effectLst/>
+        </p:spPr>
+        <p:style>
+          <a:lnRef idx="1">
+            <a:schemeClr val="accent2"/>
+          </a:lnRef>
+          <a:fillRef idx="2">
+            <a:schemeClr val="accent2"/>
+          </a:fillRef>
+          <a:effectRef idx="1">
+            <a:schemeClr val="accent2"/>
+          </a:effectRef>
+          <a:fontRef idx="minor">
+            <a:schemeClr val="dk1"/>
+          </a:fontRef>
+        </p:style>
+      </p:cxnSp>
+      <p:grpSp>
+        <p:nvGrpSpPr>
+          <p:cNvPr id="68" name="Group 67"/>
+          <p:cNvGrpSpPr/>
+          <p:nvPr/>
+        </p:nvGrpSpPr>
+        <p:grpSpPr>
+          <a:xfrm rot="5400000">
+            <a:off x="4091746" y="3434996"/>
+            <a:ext cx="555486" cy="254462"/>
+            <a:chOff x="3798139" y="875689"/>
+            <a:chExt cx="555486" cy="230832"/>
+          </a:xfrm>
+        </p:grpSpPr>
+        <p:sp>
+          <p:nvSpPr>
+            <p:cNvPr id="69" name="TextBox 68"/>
+            <p:cNvSpPr txBox="1"/>
+            <p:nvPr/>
+          </p:nvSpPr>
+          <p:spPr>
+            <a:xfrm rot="10800000">
+              <a:off x="3798139" y="875689"/>
+              <a:ext cx="555486" cy="230832"/>
+            </a:xfrm>
+            <a:prstGeom prst="rect">
+              <a:avLst/>
+            </a:prstGeom>
+            <a:noFill/>
+          </p:spPr>
+          <p:txBody>
+            <a:bodyPr wrap="square" lIns="0" tIns="0" rIns="0" bIns="0" rtlCol="0">
+              <a:noAutofit/>
+            </a:bodyPr>
+            <a:lstStyle/>
+            <a:p>
+              <a:r>
+                <a:rPr lang="en-US" sz="1100" dirty="0" smtClean="0">
+                  <a:solidFill>
+                    <a:schemeClr val="accent5">
+                      <a:lumMod val="75000"/>
+                    </a:schemeClr>
+                  </a:solidFill>
+                </a:rPr>
+                <a:t>creates</a:t>
+              </a:r>
+              <a:endParaRPr lang="en-SG" sz="1100" dirty="0">
+                <a:solidFill>
+                  <a:schemeClr val="accent5">
+                    <a:lumMod val="75000"/>
+                  </a:schemeClr>
+                </a:solidFill>
+              </a:endParaRPr>
+            </a:p>
+          </p:txBody>
+        </p:sp>
+        <p:sp>
+          <p:nvSpPr>
+            <p:cNvPr id="70" name="Isosceles Triangle 69"/>
+            <p:cNvSpPr/>
+            <p:nvPr/>
+          </p:nvSpPr>
+          <p:spPr>
+            <a:xfrm rot="5400000" flipV="1">
+              <a:off x="3795127" y="973354"/>
+              <a:ext cx="119885" cy="88141"/>
+            </a:xfrm>
+            <a:prstGeom prst="triangle">
+              <a:avLst/>
+            </a:prstGeom>
+            <a:solidFill>
+              <a:schemeClr val="accent5">
+                <a:lumMod val="75000"/>
+              </a:schemeClr>
+            </a:solidFill>
+            <a:ln>
+              <a:noFill/>
+            </a:ln>
+          </p:spPr>
+          <p:style>
+            <a:lnRef idx="2">
+              <a:schemeClr val="accent1">
+                <a:shade val="50000"/>
+              </a:schemeClr>
+            </a:lnRef>
+            <a:fillRef idx="1">
+              <a:schemeClr val="accent1"/>
+            </a:fillRef>
+            <a:effectRef idx="0">
+              <a:schemeClr val="accent1"/>
+            </a:effectRef>
+            <a:fontRef idx="minor">
+              <a:schemeClr val="lt1"/>
+            </a:fontRef>
+          </p:style>
+          <p:txBody>
+            <a:bodyPr rtlCol="0" anchor="ctr"/>
+            <a:lstStyle/>
+            <a:p>
+              <a:pPr algn="ctr"/>
+              <a:endParaRPr lang="en-SG"/>
+            </a:p>
+          </p:txBody>
+        </p:sp>
+      </p:grpSp>
+      <p:cxnSp>
+        <p:nvCxnSpPr>
+          <p:cNvPr id="84" name="Elbow Connector 83"/>
+          <p:cNvCxnSpPr>
+            <a:stCxn id="87" idx="3"/>
+            <a:endCxn id="37" idx="1"/>
+          </p:cNvCxnSpPr>
+          <p:nvPr/>
+        </p:nvCxnSpPr>
+        <p:spPr>
+          <a:xfrm rot="16200000" flipV="1">
+            <a:off x="6501999" y="2658211"/>
+            <a:ext cx="1004149" cy="1640379"/>
+          </a:xfrm>
+          <a:prstGeom prst="bentConnector2">
+            <a:avLst/>
+          </a:prstGeom>
+          <a:ln w="19050">
+            <a:headEnd type="none" w="med" len="med"/>
+            <a:tailEnd type="none" w="med" len="med"/>
+          </a:ln>
+        </p:spPr>
+        <p:style>
+          <a:lnRef idx="1">
+            <a:schemeClr val="accent1"/>
+          </a:lnRef>
+          <a:fillRef idx="0">
+            <a:schemeClr val="accent1"/>
+          </a:fillRef>
+          <a:effectRef idx="0">
+            <a:schemeClr val="accent1"/>
+          </a:effectRef>
+          <a:fontRef idx="minor">
+            <a:schemeClr val="tx1"/>
+          </a:fontRef>
+        </p:style>
+      </p:cxnSp>
+      <p:sp>
+        <p:nvSpPr>
+          <p:cNvPr id="87" name="Isosceles Triangle 102"/>
+          <p:cNvSpPr/>
+          <p:nvPr/>
+        </p:nvSpPr>
+        <p:spPr>
+          <a:xfrm flipV="1">
+            <a:off x="7689010" y="3980475"/>
+            <a:ext cx="270504" cy="175523"/>
+          </a:xfrm>
+          <a:prstGeom prst="triangle">
+            <a:avLst/>
+          </a:prstGeom>
+          <a:solidFill>
+            <a:schemeClr val="tx2">
+              <a:lumMod val="60000"/>
+              <a:lumOff val="40000"/>
+            </a:schemeClr>
+          </a:solidFill>
+          <a:ln w="19050">
+            <a:solidFill>
+              <a:srgbClr val="0070C0"/>
+            </a:solidFill>
+          </a:ln>
+          <a:effectLst/>
+        </p:spPr>
+        <p:style>
+          <a:lnRef idx="1">
+            <a:schemeClr val="accent1"/>
+          </a:lnRef>
+          <a:fillRef idx="2">
+            <a:schemeClr val="accent1"/>
+          </a:fillRef>
+          <a:effectRef idx="1">
+            <a:schemeClr val="accent1"/>
+          </a:effectRef>
+          <a:fontRef idx="minor">
+            <a:schemeClr val="dk1"/>
+          </a:fontRef>
+        </p:style>
+        <p:txBody>
+          <a:bodyPr rtlCol="0" anchor="ctr"/>
+          <a:lstStyle/>
+          <a:p>
+            <a:pPr algn="ctr"/>
+            <a:endParaRPr lang="en-SG" sz="1050" b="1">
+              <a:solidFill>
+                <a:srgbClr val="92D050"/>
+              </a:solidFill>
+            </a:endParaRPr>
+          </a:p>
+        </p:txBody>
+      </p:sp>
+      <p:cxnSp>
+        <p:nvCxnSpPr>
+          <p:cNvPr id="90" name="Elbow Connector 89"/>
+          <p:cNvCxnSpPr>
+            <a:endCxn id="11" idx="1"/>
+          </p:cNvCxnSpPr>
+          <p:nvPr/>
+        </p:nvCxnSpPr>
+        <p:spPr>
+          <a:xfrm rot="10800000">
+            <a:off x="6181702" y="3248828"/>
+            <a:ext cx="1626858" cy="475624"/>
+          </a:xfrm>
+          <a:prstGeom prst="bentConnector3">
+            <a:avLst>
+              <a:gd name="adj1" fmla="val -1408"/>
+            </a:avLst>
+          </a:prstGeom>
+          <a:ln w="19050">
+            <a:headEnd type="none" w="med" len="med"/>
+            <a:tailEnd type="none" w="med" len="med"/>
+          </a:ln>
+        </p:spPr>
+        <p:style>
+          <a:lnRef idx="1">
+            <a:schemeClr val="accent1"/>
+          </a:lnRef>
+          <a:fillRef idx="0">
+            <a:schemeClr val="accent1"/>
+          </a:fillRef>
+          <a:effectRef idx="0">
+            <a:schemeClr val="accent1"/>
+          </a:effectRef>
+          <a:fontRef idx="minor">
+            <a:schemeClr val="tx1"/>
+          </a:fontRef>
+        </p:style>
+      </p:cxnSp>
+      <p:cxnSp>
+        <p:nvCxnSpPr>
+          <p:cNvPr id="93" name="Elbow Connector 92"/>
+          <p:cNvCxnSpPr>
+            <a:endCxn id="10" idx="1"/>
+          </p:cNvCxnSpPr>
+          <p:nvPr/>
+        </p:nvCxnSpPr>
+        <p:spPr>
+          <a:xfrm rot="10800000">
+            <a:off x="6191800" y="2634302"/>
+            <a:ext cx="1639436" cy="1363126"/>
+          </a:xfrm>
+          <a:prstGeom prst="bentConnector3">
+            <a:avLst>
+              <a:gd name="adj1" fmla="val 346"/>
+            </a:avLst>
+          </a:prstGeom>
+          <a:ln w="19050">
+            <a:headEnd type="none" w="med" len="med"/>
+            <a:tailEnd type="none" w="med" len="med"/>
+          </a:ln>
+        </p:spPr>
+        <p:style>
+          <a:lnRef idx="1">
+            <a:schemeClr val="accent1"/>
+          </a:lnRef>
+          <a:fillRef idx="0">
+            <a:schemeClr val="accent1"/>
+          </a:fillRef>
+          <a:effectRef idx="0">
+            <a:schemeClr val="accent1"/>
+          </a:effectRef>
+          <a:fontRef idx="minor">
+            <a:schemeClr val="tx1"/>
+          </a:fontRef>
+        </p:style>
+      </p:cxnSp>
+      <p:cxnSp>
+        <p:nvCxnSpPr>
+          <p:cNvPr id="96" name="Elbow Connector 95"/>
+          <p:cNvCxnSpPr>
+            <a:endCxn id="4" idx="1"/>
+          </p:cNvCxnSpPr>
+          <p:nvPr/>
+        </p:nvCxnSpPr>
+        <p:spPr>
+          <a:xfrm rot="16200000" flipV="1">
+            <a:off x="6158454" y="2307146"/>
+            <a:ext cx="1715150" cy="1631510"/>
+          </a:xfrm>
+          <a:prstGeom prst="bentConnector2">
+            <a:avLst/>
+          </a:prstGeom>
+          <a:ln w="19050">
+            <a:headEnd type="none" w="med" len="med"/>
+            <a:tailEnd type="none" w="med" len="med"/>
+          </a:ln>
+        </p:spPr>
+        <p:style>
+          <a:lnRef idx="1">
+            <a:schemeClr val="accent1"/>
+          </a:lnRef>
+          <a:fillRef idx="0">
+            <a:schemeClr val="accent1"/>
+          </a:fillRef>
+          <a:effectRef idx="0">
+            <a:schemeClr val="accent1"/>
+          </a:effectRef>
+          <a:fontRef idx="minor">
+            <a:schemeClr val="tx1"/>
+          </a:fontRef>
+        </p:style>
+      </p:cxnSp>
+      <p:cxnSp>
+        <p:nvCxnSpPr>
+          <p:cNvPr id="110" name="Elbow Connector 63"/>
+          <p:cNvCxnSpPr>
+            <a:stCxn id="16" idx="3"/>
+            <a:endCxn id="37" idx="3"/>
+          </p:cNvCxnSpPr>
+          <p:nvPr/>
+        </p:nvCxnSpPr>
+        <p:spPr>
+          <a:xfrm flipV="1">
+            <a:off x="4114800" y="2976326"/>
+            <a:ext cx="1307082" cy="972556"/>
+          </a:xfrm>
+          <a:prstGeom prst="bentConnector3">
+            <a:avLst>
+              <a:gd name="adj1" fmla="val 50000"/>
+            </a:avLst>
+          </a:prstGeom>
+          <a:ln w="19050">
+            <a:solidFill>
+              <a:schemeClr val="accent5">
+                <a:lumMod val="75000"/>
+              </a:schemeClr>
+            </a:solidFill>
+            <a:prstDash val="sysDot"/>
+            <a:headEnd type="none" w="med" len="med"/>
+            <a:tailEnd type="arrow" w="med" len="med"/>
+          </a:ln>
+          <a:effectLst/>
+        </p:spPr>
+        <p:style>
+          <a:lnRef idx="1">
+            <a:schemeClr val="accent2"/>
+          </a:lnRef>
+          <a:fillRef idx="2">
+            <a:schemeClr val="accent2"/>
+          </a:fillRef>
+          <a:effectRef idx="1">
+            <a:schemeClr val="accent2"/>
+          </a:effectRef>
+          <a:fontRef idx="minor">
+            <a:schemeClr val="dk1"/>
+          </a:fontRef>
+        </p:style>
+      </p:cxnSp>
+      <p:cxnSp>
+        <p:nvCxnSpPr>
+          <p:cNvPr id="113" name="Elbow Connector 63"/>
+          <p:cNvCxnSpPr>
+            <a:stCxn id="16" idx="3"/>
+            <a:endCxn id="10" idx="3"/>
+          </p:cNvCxnSpPr>
+          <p:nvPr/>
+        </p:nvCxnSpPr>
+        <p:spPr>
+          <a:xfrm flipV="1">
+            <a:off x="4114800" y="2634302"/>
+            <a:ext cx="1292471" cy="1314580"/>
+          </a:xfrm>
+          <a:prstGeom prst="bentConnector3">
+            <a:avLst>
+              <a:gd name="adj1" fmla="val 49137"/>
+            </a:avLst>
+          </a:prstGeom>
+          <a:ln w="19050">
+            <a:solidFill>
+              <a:schemeClr val="accent5">
+                <a:lumMod val="75000"/>
+              </a:schemeClr>
+            </a:solidFill>
+            <a:prstDash val="sysDot"/>
+            <a:headEnd type="none" w="med" len="med"/>
+            <a:tailEnd type="arrow" w="med" len="med"/>
+          </a:ln>
+          <a:effectLst/>
+        </p:spPr>
+        <p:style>
+          <a:lnRef idx="1">
+            <a:schemeClr val="accent2"/>
+          </a:lnRef>
+          <a:fillRef idx="2">
+            <a:schemeClr val="accent2"/>
+          </a:fillRef>
+          <a:effectRef idx="1">
+            <a:schemeClr val="accent2"/>
+          </a:effectRef>
+          <a:fontRef idx="minor">
+            <a:schemeClr val="dk1"/>
+          </a:fontRef>
+        </p:style>
+      </p:cxnSp>
+      <p:cxnSp>
+        <p:nvCxnSpPr>
+          <p:cNvPr id="116" name="Elbow Connector 63"/>
+          <p:cNvCxnSpPr>
+            <a:endCxn id="4" idx="3"/>
+          </p:cNvCxnSpPr>
+          <p:nvPr/>
+        </p:nvCxnSpPr>
+        <p:spPr>
+          <a:xfrm rot="5400000" flipH="1" flipV="1">
+            <a:off x="4246215" y="2760423"/>
+            <a:ext cx="1670763" cy="680571"/>
+          </a:xfrm>
+          <a:prstGeom prst="bentConnector2">
+            <a:avLst/>
+          </a:prstGeom>
+          <a:ln w="19050">
+            <a:solidFill>
+              <a:schemeClr val="accent5">
+                <a:lumMod val="75000"/>
+              </a:schemeClr>
+            </a:solidFill>
+            <a:prstDash val="sysDot"/>
+            <a:headEnd type="none" w="med" len="med"/>
+            <a:tailEnd type="arrow" w="med" len="med"/>
+          </a:ln>
+          <a:effectLst/>
+        </p:spPr>
+        <p:style>
+          <a:lnRef idx="1">
+            <a:schemeClr val="accent2"/>
+          </a:lnRef>
+          <a:fillRef idx="2">
+            <a:schemeClr val="accent2"/>
+          </a:fillRef>
+          <a:effectRef idx="1">
+            <a:schemeClr val="accent2"/>
+          </a:effectRef>
+          <a:fontRef idx="minor">
+            <a:schemeClr val="dk1"/>
+          </a:fontRef>
+        </p:style>
+      </p:cxnSp>
+      <p:cxnSp>
+        <p:nvCxnSpPr>
+          <p:cNvPr id="64" name="Straight Connector 63"/>
+          <p:cNvCxnSpPr/>
+          <p:nvPr/>
+        </p:nvCxnSpPr>
+        <p:spPr>
+          <a:xfrm>
+            <a:off x="3886200" y="2078487"/>
+            <a:ext cx="0" cy="1218984"/>
+          </a:xfrm>
+          <a:prstGeom prst="line">
+            <a:avLst/>
+          </a:prstGeom>
+          <a:ln w="19050">
+            <a:solidFill>
+              <a:schemeClr val="accent5">
+                <a:lumMod val="50000"/>
+              </a:schemeClr>
+            </a:solidFill>
+            <a:prstDash val="sysDot"/>
+            <a:headEnd type="none" w="med" len="med"/>
+            <a:tailEnd type="none" w="med" len="med"/>
+          </a:ln>
+          <a:effectLst/>
+        </p:spPr>
+        <p:style>
+          <a:lnRef idx="1">
+            <a:schemeClr val="accent2"/>
+          </a:lnRef>
+          <a:fillRef idx="2">
+            <a:schemeClr val="accent2"/>
+          </a:fillRef>
+          <a:effectRef idx="1">
+            <a:schemeClr val="accent2"/>
+          </a:effectRef>
+          <a:fontRef idx="minor">
+            <a:schemeClr val="dk1"/>
+          </a:fontRef>
+        </p:style>
+      </p:cxnSp>
+      <p:cxnSp>
+        <p:nvCxnSpPr>
+          <p:cNvPr id="66" name="Straight Connector 65"/>
+          <p:cNvCxnSpPr/>
+          <p:nvPr/>
+        </p:nvCxnSpPr>
+        <p:spPr>
+          <a:xfrm>
+            <a:off x="3874087" y="2411580"/>
+            <a:ext cx="769918" cy="0"/>
+          </a:xfrm>
+          <a:prstGeom prst="line">
+            <a:avLst/>
+          </a:prstGeom>
+          <a:ln w="19050">
+            <a:solidFill>
+              <a:schemeClr val="accent5">
+                <a:lumMod val="50000"/>
+              </a:schemeClr>
+            </a:solidFill>
+            <a:prstDash val="sysDot"/>
+            <a:headEnd type="none" w="med" len="med"/>
+            <a:tailEnd type="none" w="med" len="med"/>
+          </a:ln>
+          <a:effectLst/>
+        </p:spPr>
+        <p:style>
+          <a:lnRef idx="1">
+            <a:schemeClr val="accent2"/>
+          </a:lnRef>
+          <a:fillRef idx="2">
+            <a:schemeClr val="accent2"/>
+          </a:fillRef>
+          <a:effectRef idx="1">
+            <a:schemeClr val="accent2"/>
+          </a:effectRef>
+          <a:fontRef idx="minor">
+            <a:schemeClr val="dk1"/>
+          </a:fontRef>
+        </p:style>
+      </p:cxnSp>
+      <p:cxnSp>
+        <p:nvCxnSpPr>
+          <p:cNvPr id="73" name="Straight Connector 72"/>
+          <p:cNvCxnSpPr/>
+          <p:nvPr/>
+        </p:nvCxnSpPr>
+        <p:spPr>
+          <a:xfrm>
+            <a:off x="3865615" y="2809024"/>
+            <a:ext cx="769918" cy="0"/>
+          </a:xfrm>
+          <a:prstGeom prst="line">
+            <a:avLst/>
+          </a:prstGeom>
+          <a:ln w="19050">
+            <a:solidFill>
+              <a:schemeClr val="accent5">
+                <a:lumMod val="50000"/>
+              </a:schemeClr>
+            </a:solidFill>
+            <a:prstDash val="sysDot"/>
+            <a:headEnd type="none" w="med" len="med"/>
+            <a:tailEnd type="none" w="med" len="med"/>
+          </a:ln>
+          <a:effectLst/>
+        </p:spPr>
+        <p:style>
+          <a:lnRef idx="1">
+            <a:schemeClr val="accent2"/>
+          </a:lnRef>
+          <a:fillRef idx="2">
+            <a:schemeClr val="accent2"/>
+          </a:fillRef>
+          <a:effectRef idx="1">
+            <a:schemeClr val="accent2"/>
+          </a:effectRef>
+          <a:fontRef idx="minor">
+            <a:schemeClr val="dk1"/>
+          </a:fontRef>
+        </p:style>
+      </p:cxnSp>
+      <p:cxnSp>
+        <p:nvCxnSpPr>
+          <p:cNvPr id="74" name="Straight Connector 73"/>
+          <p:cNvCxnSpPr/>
+          <p:nvPr/>
+        </p:nvCxnSpPr>
+        <p:spPr>
+          <a:xfrm>
+            <a:off x="3874087" y="3060325"/>
+            <a:ext cx="769918" cy="0"/>
+          </a:xfrm>
+          <a:prstGeom prst="line">
+            <a:avLst/>
+          </a:prstGeom>
+          <a:ln w="19050">
+            <a:solidFill>
+              <a:schemeClr val="accent5">
+                <a:lumMod val="50000"/>
+              </a:schemeClr>
+            </a:solidFill>
+            <a:prstDash val="sysDot"/>
+            <a:headEnd type="none" w="med" len="med"/>
+            <a:tailEnd type="none" w="med" len="med"/>
+          </a:ln>
+          <a:effectLst/>
+        </p:spPr>
+        <p:style>
+          <a:lnRef idx="1">
+            <a:schemeClr val="accent2"/>
+          </a:lnRef>
+          <a:fillRef idx="2">
+            <a:schemeClr val="accent2"/>
+          </a:fillRef>
+          <a:effectRef idx="1">
+            <a:schemeClr val="accent2"/>
+          </a:effectRef>
+          <a:fontRef idx="minor">
+            <a:schemeClr val="dk1"/>
+          </a:fontRef>
+        </p:style>
+      </p:cxnSp>
+      <p:cxnSp>
+        <p:nvCxnSpPr>
+          <p:cNvPr id="77" name="Elbow Connector 63"/>
+          <p:cNvCxnSpPr>
+            <a:stCxn id="16" idx="3"/>
+            <a:endCxn id="81" idx="3"/>
+          </p:cNvCxnSpPr>
+          <p:nvPr/>
+        </p:nvCxnSpPr>
+        <p:spPr>
+          <a:xfrm flipV="1">
+            <a:off x="4114800" y="3561054"/>
+            <a:ext cx="1317501" cy="387828"/>
+          </a:xfrm>
+          <a:prstGeom prst="bentConnector3">
+            <a:avLst>
+              <a:gd name="adj1" fmla="val 50000"/>
+            </a:avLst>
+          </a:prstGeom>
+          <a:ln w="19050">
+            <a:solidFill>
+              <a:schemeClr val="accent5">
+                <a:lumMod val="75000"/>
+              </a:schemeClr>
+            </a:solidFill>
+            <a:prstDash val="sysDot"/>
+            <a:headEnd type="none" w="med" len="med"/>
+            <a:tailEnd type="arrow" w="med" len="med"/>
+          </a:ln>
+          <a:effectLst/>
+        </p:spPr>
+        <p:style>
+          <a:lnRef idx="1">
+            <a:schemeClr val="accent2"/>
+          </a:lnRef>
+          <a:fillRef idx="2">
+            <a:schemeClr val="accent2"/>
+          </a:fillRef>
+          <a:effectRef idx="1">
+            <a:schemeClr val="accent2"/>
+          </a:effectRef>
+          <a:fontRef idx="minor">
+            <a:schemeClr val="dk1"/>
+          </a:fontRef>
+        </p:style>
+      </p:cxnSp>
+      <p:sp>
+        <p:nvSpPr>
+          <p:cNvPr id="81" name="Rectangle 80"/>
+          <p:cNvSpPr/>
+          <p:nvPr/>
+        </p:nvSpPr>
+        <p:spPr>
+          <a:xfrm flipH="1">
+            <a:off x="5432301" y="3455827"/>
+            <a:ext cx="762000" cy="210454"/>
+          </a:xfrm>
+          <a:prstGeom prst="rect">
+            <a:avLst/>
+          </a:prstGeom>
+          <a:ln w="19050">
+            <a:solidFill>
+              <a:srgbClr val="0070C0"/>
+            </a:solidFill>
+          </a:ln>
+          <a:effectLst/>
+        </p:spPr>
+        <p:style>
+          <a:lnRef idx="1">
+            <a:schemeClr val="accent1"/>
+          </a:lnRef>
+          <a:fillRef idx="2">
+            <a:schemeClr val="accent1"/>
+          </a:fillRef>
+          <a:effectRef idx="1">
+            <a:schemeClr val="accent1"/>
+          </a:effectRef>
+          <a:fontRef idx="minor">
+            <a:schemeClr val="dk1"/>
+          </a:fontRef>
+        </p:style>
+        <p:txBody>
+          <a:bodyPr rtlCol="0" anchor="ctr"/>
+          <a:lstStyle/>
+          <a:p>
+            <a:pPr algn="ctr"/>
+            <a:r>
+              <a:rPr lang="en-US" sz="700" b="1" dirty="0" smtClean="0">
+                <a:solidFill>
+                  <a:srgbClr val="0070C0"/>
+                </a:solidFill>
+              </a:rPr>
+              <a:t>Toggle</a:t>
+            </a:r>
+            <a:r>
+              <a:rPr lang="en-US" sz="700" b="1" dirty="0" smtClean="0">
+                <a:solidFill>
+                  <a:srgbClr val="0070C0"/>
+                </a:solidFill>
+              </a:rPr>
+              <a:t/>
+            </a:r>
+            <a:br>
+              <a:rPr lang="en-US" sz="700" b="1" dirty="0" smtClean="0">
+                <a:solidFill>
+                  <a:srgbClr val="0070C0"/>
+                </a:solidFill>
+              </a:rPr>
+            </a:br>
+            <a:r>
+              <a:rPr lang="en-US" sz="700" b="1" dirty="0" smtClean="0">
+                <a:solidFill>
+                  <a:srgbClr val="0070C0"/>
+                </a:solidFill>
+              </a:rPr>
+              <a:t>Command</a:t>
+            </a:r>
+            <a:endParaRPr lang="en-SG" sz="700" b="1" dirty="0">
+              <a:solidFill>
+                <a:srgbClr val="0070C0"/>
+              </a:solidFill>
+            </a:endParaRPr>
+          </a:p>
+        </p:txBody>
+      </p:sp>
+      <p:cxnSp>
+        <p:nvCxnSpPr>
+          <p:cNvPr id="82" name="Elbow Connector 81"/>
+          <p:cNvCxnSpPr/>
+          <p:nvPr/>
+        </p:nvCxnSpPr>
+        <p:spPr>
+          <a:xfrm rot="16200000" flipV="1">
+            <a:off x="7480658" y="3683668"/>
+            <a:ext cx="505794" cy="207633"/>
+          </a:xfrm>
+          <a:prstGeom prst="bentConnector2">
+            <a:avLst/>
+          </a:prstGeom>
+          <a:ln w="19050">
+            <a:headEnd type="none" w="med" len="med"/>
+            <a:tailEnd type="none" w="med" len="med"/>
+          </a:ln>
+        </p:spPr>
+        <p:style>
+          <a:lnRef idx="1">
+            <a:schemeClr val="accent1"/>
+          </a:lnRef>
+          <a:fillRef idx="0">
+            <a:schemeClr val="accent1"/>
+          </a:fillRef>
+          <a:effectRef idx="0">
+            <a:schemeClr val="accent1"/>
+          </a:effectRef>
+          <a:fontRef idx="minor">
+            <a:schemeClr val="tx1"/>
+          </a:fontRef>
+        </p:style>
+      </p:cxnSp>
+      <p:cxnSp>
+        <p:nvCxnSpPr>
+          <p:cNvPr id="85" name="Elbow Connector 63"/>
+          <p:cNvCxnSpPr>
+            <a:endCxn id="88" idx="3"/>
+          </p:cNvCxnSpPr>
+          <p:nvPr/>
+        </p:nvCxnSpPr>
+        <p:spPr>
+          <a:xfrm flipV="1">
+            <a:off x="4148899" y="3829959"/>
+            <a:ext cx="1284697" cy="127029"/>
+          </a:xfrm>
+          <a:prstGeom prst="bentConnector3">
+            <a:avLst>
+              <a:gd name="adj1" fmla="val 50000"/>
+            </a:avLst>
+          </a:prstGeom>
+          <a:ln w="19050">
+            <a:solidFill>
+              <a:schemeClr val="accent5">
+                <a:lumMod val="75000"/>
+              </a:schemeClr>
+            </a:solidFill>
+            <a:prstDash val="sysDot"/>
+            <a:headEnd type="none" w="med" len="med"/>
+            <a:tailEnd type="arrow" w="med" len="med"/>
+          </a:ln>
+          <a:effectLst/>
+        </p:spPr>
+        <p:style>
+          <a:lnRef idx="1">
+            <a:schemeClr val="accent2"/>
+          </a:lnRef>
+          <a:fillRef idx="2">
+            <a:schemeClr val="accent2"/>
+          </a:fillRef>
+          <a:effectRef idx="1">
+            <a:schemeClr val="accent2"/>
+          </a:effectRef>
+          <a:fontRef idx="minor">
+            <a:schemeClr val="dk1"/>
+          </a:fontRef>
+        </p:style>
+      </p:cxnSp>
+      <p:sp>
+        <p:nvSpPr>
+          <p:cNvPr id="88" name="Rectangle 87"/>
+          <p:cNvSpPr/>
+          <p:nvPr/>
+        </p:nvSpPr>
+        <p:spPr>
+          <a:xfrm flipH="1">
+            <a:off x="5433596" y="3724732"/>
+            <a:ext cx="762000" cy="210454"/>
+          </a:xfrm>
+          <a:prstGeom prst="rect">
+            <a:avLst/>
+          </a:prstGeom>
+          <a:ln w="19050">
+            <a:solidFill>
+              <a:srgbClr val="0070C0"/>
+            </a:solidFill>
+          </a:ln>
+          <a:effectLst/>
+        </p:spPr>
+        <p:style>
+          <a:lnRef idx="1">
+            <a:schemeClr val="accent1"/>
+          </a:lnRef>
+          <a:fillRef idx="2">
+            <a:schemeClr val="accent1"/>
+          </a:fillRef>
+          <a:effectRef idx="1">
+            <a:schemeClr val="accent1"/>
+          </a:effectRef>
+          <a:fontRef idx="minor">
+            <a:schemeClr val="dk1"/>
+          </a:fontRef>
+        </p:style>
+        <p:txBody>
+          <a:bodyPr rtlCol="0" anchor="ctr"/>
+          <a:lstStyle/>
+          <a:p>
+            <a:pPr algn="ctr"/>
+            <a:r>
+              <a:rPr lang="is-IS" sz="700" b="1" dirty="0" smtClean="0">
+                <a:solidFill>
+                  <a:srgbClr val="0070C0"/>
+                </a:solidFill>
+              </a:rPr>
+              <a:t>…</a:t>
+            </a:r>
+            <a:endParaRPr lang="en-SG" sz="700" b="1" dirty="0">
+              <a:solidFill>
+                <a:srgbClr val="0070C0"/>
+              </a:solidFill>
+            </a:endParaRPr>
+          </a:p>
+        </p:txBody>
+      </p:sp>
+      <p:cxnSp>
+        <p:nvCxnSpPr>
+          <p:cNvPr id="89" name="Elbow Connector 88"/>
+          <p:cNvCxnSpPr/>
+          <p:nvPr/>
+        </p:nvCxnSpPr>
+        <p:spPr>
+          <a:xfrm rot="16200000" flipV="1">
+            <a:off x="7615826" y="3859787"/>
+            <a:ext cx="244274" cy="178190"/>
+          </a:xfrm>
+          <a:prstGeom prst="bentConnector3">
+            <a:avLst>
+              <a:gd name="adj1" fmla="val 104590"/>
+            </a:avLst>
+          </a:prstGeom>
+          <a:ln w="19050">
+            <a:headEnd type="none" w="med" len="med"/>
+            <a:tailEnd type="none" w="med" len="med"/>
+          </a:ln>
+        </p:spPr>
+        <p:style>
+          <a:lnRef idx="1">
+            <a:schemeClr val="accent1"/>
+          </a:lnRef>
+          <a:fillRef idx="0">
+            <a:schemeClr val="accent1"/>
+          </a:fillRef>
+          <a:effectRef idx="0">
+            <a:schemeClr val="accent1"/>
+          </a:effectRef>
+          <a:fontRef idx="minor">
+            <a:schemeClr val="tx1"/>
+          </a:fontRef>
+        </p:style>
+      </p:cxnSp>
+      <p:cxnSp>
+        <p:nvCxnSpPr>
+          <p:cNvPr id="86" name="Straight Connector 85"/>
+          <p:cNvCxnSpPr/>
+          <p:nvPr/>
+        </p:nvCxnSpPr>
+        <p:spPr>
+          <a:xfrm>
+            <a:off x="4620547" y="2342212"/>
+            <a:ext cx="10378" cy="718113"/>
+          </a:xfrm>
+          <a:prstGeom prst="line">
+            <a:avLst/>
+          </a:prstGeom>
+          <a:ln w="19050">
+            <a:solidFill>
+              <a:schemeClr val="accent5">
+                <a:lumMod val="50000"/>
+              </a:schemeClr>
+            </a:solidFill>
+            <a:prstDash val="sysDot"/>
+            <a:headEnd type="none" w="med" len="med"/>
+            <a:tailEnd type="none" w="med" len="med"/>
+          </a:ln>
+          <a:effectLst/>
+        </p:spPr>
+        <p:style>
+          <a:lnRef idx="1">
+            <a:schemeClr val="accent2"/>
+          </a:lnRef>
+          <a:fillRef idx="2">
+            <a:schemeClr val="accent2"/>
+          </a:fillRef>
+          <a:effectRef idx="1">
+            <a:schemeClr val="accent2"/>
+          </a:effectRef>
+          <a:fontRef idx="minor">
+            <a:schemeClr val="dk1"/>
+          </a:fontRef>
+        </p:style>
+      </p:cxnSp>
+      <p:cxnSp>
+        <p:nvCxnSpPr>
+          <p:cNvPr id="106" name="Straight Connector 105"/>
+          <p:cNvCxnSpPr/>
+          <p:nvPr/>
+        </p:nvCxnSpPr>
+        <p:spPr>
+          <a:xfrm flipV="1">
+            <a:off x="4614959" y="2379246"/>
+            <a:ext cx="798964" cy="2239"/>
+          </a:xfrm>
+          <a:prstGeom prst="line">
+            <a:avLst/>
+          </a:prstGeom>
+          <a:ln w="19050">
+            <a:solidFill>
+              <a:schemeClr val="accent5">
+                <a:lumMod val="50000"/>
+              </a:schemeClr>
+            </a:solidFill>
+            <a:prstDash val="sysDot"/>
+            <a:headEnd type="none" w="med" len="med"/>
+            <a:tailEnd type="none" w="med" len="med"/>
+          </a:ln>
+          <a:effectLst/>
+        </p:spPr>
+        <p:style>
+          <a:lnRef idx="1">
+            <a:schemeClr val="accent2"/>
+          </a:lnRef>
+          <a:fillRef idx="2">
+            <a:schemeClr val="accent2"/>
+          </a:fillRef>
+          <a:effectRef idx="1">
+            <a:schemeClr val="accent2"/>
+          </a:effectRef>
+          <a:fontRef idx="minor">
+            <a:schemeClr val="dk1"/>
+          </a:fontRef>
+        </p:style>
+      </p:cxnSp>
+      <p:cxnSp>
+        <p:nvCxnSpPr>
+          <p:cNvPr id="107" name="Straight Connector 106"/>
+          <p:cNvCxnSpPr/>
+          <p:nvPr/>
+        </p:nvCxnSpPr>
+        <p:spPr>
+          <a:xfrm flipV="1">
+            <a:off x="4643493" y="2548512"/>
+            <a:ext cx="740832" cy="1132"/>
+          </a:xfrm>
+          <a:prstGeom prst="line">
+            <a:avLst/>
+          </a:prstGeom>
+          <a:ln w="19050">
+            <a:solidFill>
+              <a:schemeClr val="accent5">
+                <a:lumMod val="50000"/>
+              </a:schemeClr>
+            </a:solidFill>
+            <a:prstDash val="sysDot"/>
+            <a:headEnd type="none" w="med" len="med"/>
+            <a:tailEnd type="none" w="med" len="med"/>
+          </a:ln>
+          <a:effectLst/>
+        </p:spPr>
+        <p:style>
+          <a:lnRef idx="1">
+            <a:schemeClr val="accent2"/>
+          </a:lnRef>
+          <a:fillRef idx="2">
+            <a:schemeClr val="accent2"/>
+          </a:fillRef>
+          <a:effectRef idx="1">
+            <a:schemeClr val="accent2"/>
+          </a:effectRef>
+          <a:fontRef idx="minor">
+            <a:schemeClr val="dk1"/>
+          </a:fontRef>
+        </p:style>
+      </p:cxnSp>
+      <p:cxnSp>
+        <p:nvCxnSpPr>
+          <p:cNvPr id="112" name="Straight Connector 111"/>
+          <p:cNvCxnSpPr/>
+          <p:nvPr/>
+        </p:nvCxnSpPr>
+        <p:spPr>
+          <a:xfrm>
+            <a:off x="4635289" y="2910455"/>
+            <a:ext cx="790278" cy="2968"/>
+          </a:xfrm>
+          <a:prstGeom prst="line">
+            <a:avLst/>
+          </a:prstGeom>
+          <a:ln w="19050">
+            <a:solidFill>
+              <a:schemeClr val="accent5">
+                <a:lumMod val="50000"/>
+              </a:schemeClr>
+            </a:solidFill>
+            <a:prstDash val="sysDot"/>
+            <a:headEnd type="none" w="med" len="med"/>
+            <a:tailEnd type="none" w="med" len="med"/>
+          </a:ln>
+          <a:effectLst/>
+        </p:spPr>
+        <p:style>
+          <a:lnRef idx="1">
+            <a:schemeClr val="accent2"/>
+          </a:lnRef>
+          <a:fillRef idx="2">
+            <a:schemeClr val="accent2"/>
+          </a:fillRef>
+          <a:effectRef idx="1">
+            <a:schemeClr val="accent2"/>
+          </a:effectRef>
+          <a:fontRef idx="minor">
+            <a:schemeClr val="dk1"/>
+          </a:fontRef>
+        </p:style>
+      </p:cxnSp>
+    </p:spTree>
+    <p:extLst>
+      <p:ext uri="{BB962C8B-B14F-4D97-AF65-F5344CB8AC3E}">
+        <p14:creationId xmlns:p14="http://schemas.microsoft.com/office/powerpoint/2010/main" val="491705403"/>
       </p:ext>
     </p:extLst>
   </p:cSld>
